--- a/Unit 6/FLS/6371 FLS Unit 6.pptx
+++ b/Unit 6/FLS/6371 FLS Unit 6.pptx
@@ -5,7 +5,7 @@
     <p:sldMasterId id="2147483693" r:id="rId1"/>
   </p:sldMasterIdLst>
   <p:notesMasterIdLst>
-    <p:notesMasterId r:id="rId17"/>
+    <p:notesMasterId r:id="rId22"/>
   </p:notesMasterIdLst>
   <p:sldIdLst>
     <p:sldId id="270" r:id="rId2"/>
@@ -15,19 +15,24 @@
     <p:sldId id="414" r:id="rId6"/>
     <p:sldId id="418" r:id="rId7"/>
     <p:sldId id="286" r:id="rId8"/>
-    <p:sldId id="419" r:id="rId9"/>
-    <p:sldId id="527" r:id="rId10"/>
-    <p:sldId id="528" r:id="rId11"/>
-    <p:sldId id="529" r:id="rId12"/>
-    <p:sldId id="334" r:id="rId13"/>
-    <p:sldId id="336" r:id="rId14"/>
-    <p:sldId id="526" r:id="rId15"/>
-    <p:sldId id="413" r:id="rId16"/>
+    <p:sldId id="531" r:id="rId9"/>
+    <p:sldId id="532" r:id="rId10"/>
+    <p:sldId id="533" r:id="rId11"/>
+    <p:sldId id="534" r:id="rId12"/>
+    <p:sldId id="419" r:id="rId13"/>
+    <p:sldId id="527" r:id="rId14"/>
+    <p:sldId id="528" r:id="rId15"/>
+    <p:sldId id="530" r:id="rId16"/>
+    <p:sldId id="529" r:id="rId17"/>
+    <p:sldId id="334" r:id="rId18"/>
+    <p:sldId id="336" r:id="rId19"/>
+    <p:sldId id="526" r:id="rId20"/>
+    <p:sldId id="413" r:id="rId21"/>
   </p:sldIdLst>
   <p:sldSz cx="12192000" cy="6858000"/>
-  <p:notesSz cx="6858000" cy="9144000"/>
+  <p:notesSz cx="7315200" cy="9601200"/>
   <p:custDataLst>
-    <p:tags r:id="rId18"/>
+    <p:tags r:id="rId23"/>
   </p:custDataLst>
   <p:defaultTextStyle>
     <a:defPPr>
@@ -190,17 +195,17 @@
         <p:spPr>
           <a:xfrm>
             <a:off x="0" y="0"/>
-            <a:ext cx="2971800" cy="457200"/>
+            <a:ext cx="3169920" cy="480060"/>
           </a:xfrm>
           <a:prstGeom prst="rect">
             <a:avLst/>
           </a:prstGeom>
         </p:spPr>
         <p:txBody>
-          <a:bodyPr vert="horz" lIns="91440" tIns="45720" rIns="91440" bIns="45720" rtlCol="0"/>
+          <a:bodyPr vert="horz" lIns="96661" tIns="48331" rIns="96661" bIns="48331" rtlCol="0"/>
           <a:lstStyle>
             <a:lvl1pPr algn="l">
-              <a:defRPr sz="1200"/>
+              <a:defRPr sz="1300"/>
             </a:lvl1pPr>
           </a:lstStyle>
           <a:p>
@@ -220,24 +225,24 @@
         </p:nvSpPr>
         <p:spPr>
           <a:xfrm>
-            <a:off x="3884613" y="0"/>
-            <a:ext cx="2971800" cy="457200"/>
+            <a:off x="4143587" y="0"/>
+            <a:ext cx="3169920" cy="480060"/>
           </a:xfrm>
           <a:prstGeom prst="rect">
             <a:avLst/>
           </a:prstGeom>
         </p:spPr>
         <p:txBody>
-          <a:bodyPr vert="horz" lIns="91440" tIns="45720" rIns="91440" bIns="45720" rtlCol="0"/>
+          <a:bodyPr vert="horz" lIns="96661" tIns="48331" rIns="96661" bIns="48331" rtlCol="0"/>
           <a:lstStyle>
             <a:lvl1pPr algn="r">
-              <a:defRPr sz="1200"/>
+              <a:defRPr sz="1300"/>
             </a:lvl1pPr>
           </a:lstStyle>
           <a:p>
             <a:fld id="{28570D6A-FB49-A14C-9B03-21B3417100CD}" type="datetimeFigureOut">
               <a:rPr lang="en-US" smtClean="0"/>
-              <a:t>9/24/21</a:t>
+              <a:t>9/28/2023</a:t>
             </a:fld>
             <a:endParaRPr lang="en-US" dirty="0"/>
           </a:p>
@@ -255,8 +260,8 @@
         </p:nvSpPr>
         <p:spPr>
           <a:xfrm>
-            <a:off x="381000" y="685800"/>
-            <a:ext cx="6096000" cy="3429000"/>
+            <a:off x="457200" y="720725"/>
+            <a:ext cx="6400800" cy="3600450"/>
           </a:xfrm>
           <a:prstGeom prst="rect">
             <a:avLst/>
@@ -269,7 +274,7 @@
           </a:ln>
         </p:spPr>
         <p:txBody>
-          <a:bodyPr vert="horz" lIns="91440" tIns="45720" rIns="91440" bIns="45720" rtlCol="0" anchor="ctr"/>
+          <a:bodyPr vert="horz" lIns="96661" tIns="48331" rIns="96661" bIns="48331" rtlCol="0" anchor="ctr"/>
           <a:lstStyle/>
           <a:p>
             <a:endParaRPr lang="en-US" dirty="0"/>
@@ -288,15 +293,15 @@
         </p:nvSpPr>
         <p:spPr>
           <a:xfrm>
-            <a:off x="685800" y="4343400"/>
-            <a:ext cx="5486400" cy="4114800"/>
+            <a:off x="731520" y="4560570"/>
+            <a:ext cx="5852160" cy="4320540"/>
           </a:xfrm>
           <a:prstGeom prst="rect">
             <a:avLst/>
           </a:prstGeom>
         </p:spPr>
         <p:txBody>
-          <a:bodyPr vert="horz" lIns="91440" tIns="45720" rIns="91440" bIns="45720" rtlCol="0"/>
+          <a:bodyPr vert="horz" lIns="96661" tIns="48331" rIns="96661" bIns="48331" rtlCol="0"/>
           <a:lstStyle/>
           <a:p>
             <a:pPr lvl="0"/>
@@ -347,18 +352,18 @@
         </p:nvSpPr>
         <p:spPr>
           <a:xfrm>
-            <a:off x="0" y="8685213"/>
-            <a:ext cx="2971800" cy="457200"/>
+            <a:off x="0" y="9119474"/>
+            <a:ext cx="3169920" cy="480060"/>
           </a:xfrm>
           <a:prstGeom prst="rect">
             <a:avLst/>
           </a:prstGeom>
         </p:spPr>
         <p:txBody>
-          <a:bodyPr vert="horz" lIns="91440" tIns="45720" rIns="91440" bIns="45720" rtlCol="0" anchor="b"/>
+          <a:bodyPr vert="horz" lIns="96661" tIns="48331" rIns="96661" bIns="48331" rtlCol="0" anchor="b"/>
           <a:lstStyle>
             <a:lvl1pPr algn="l">
-              <a:defRPr sz="1200"/>
+              <a:defRPr sz="1300"/>
             </a:lvl1pPr>
           </a:lstStyle>
           <a:p>
@@ -378,18 +383,18 @@
         </p:nvSpPr>
         <p:spPr>
           <a:xfrm>
-            <a:off x="3884613" y="8685213"/>
-            <a:ext cx="2971800" cy="457200"/>
+            <a:off x="4143587" y="9119474"/>
+            <a:ext cx="3169920" cy="480060"/>
           </a:xfrm>
           <a:prstGeom prst="rect">
             <a:avLst/>
           </a:prstGeom>
         </p:spPr>
         <p:txBody>
-          <a:bodyPr vert="horz" lIns="91440" tIns="45720" rIns="91440" bIns="45720" rtlCol="0" anchor="b"/>
+          <a:bodyPr vert="horz" lIns="96661" tIns="48331" rIns="96661" bIns="48331" rtlCol="0" anchor="b"/>
           <a:lstStyle>
             <a:lvl1pPr algn="r">
-              <a:defRPr sz="1200"/>
+              <a:defRPr sz="1300"/>
             </a:lvl1pPr>
           </a:lstStyle>
           <a:p>
@@ -2610,10 +2615,10 @@
       </p:grpSpPr>
       <p:sp>
         <p:nvSpPr>
-          <p:cNvPr id="5" name="Title 4">
+          <p:cNvPr id="2" name="Title 1">
             <a:extLst>
               <a:ext uri="{FF2B5EF4-FFF2-40B4-BE49-F238E27FC236}">
-                <a16:creationId xmlns:a16="http://schemas.microsoft.com/office/drawing/2014/main" id="{47CCFDD9-4C48-FB4B-9A63-014E05C812A5}"/>
+                <a16:creationId xmlns:a16="http://schemas.microsoft.com/office/drawing/2014/main" id="{97999AD5-DEFB-90E9-ADFB-D23167930893}"/>
               </a:ext>
             </a:extLst>
           </p:cNvPr>
@@ -2631,439 +2636,45 @@
           <a:p>
             <a:r>
               <a:rPr lang="en-US" dirty="0"/>
-              <a:t>HW Problem 1</a:t>
+              <a:t>Height</a:t>
             </a:r>
           </a:p>
         </p:txBody>
       </p:sp>
-      <p:sp>
-        <p:nvSpPr>
-          <p:cNvPr id="11" name="Rectangle 10">
+      <p:pic>
+        <p:nvPicPr>
+          <p:cNvPr id="7" name="Picture 6">
             <a:extLst>
               <a:ext uri="{FF2B5EF4-FFF2-40B4-BE49-F238E27FC236}">
-                <a16:creationId xmlns:a16="http://schemas.microsoft.com/office/drawing/2014/main" id="{E13FC93D-5DD2-B24F-982C-B742DF951FF2}"/>
+                <a16:creationId xmlns:a16="http://schemas.microsoft.com/office/drawing/2014/main" id="{6B4AEB59-BF49-7531-0796-80833DD52CBD}"/>
               </a:ext>
             </a:extLst>
           </p:cNvPr>
-          <p:cNvSpPr/>
+          <p:cNvPicPr>
+            <a:picLocks noChangeAspect="1"/>
+          </p:cNvPicPr>
           <p:nvPr/>
-        </p:nvSpPr>
+        </p:nvPicPr>
+        <p:blipFill>
+          <a:blip r:embed="rId2"/>
+          <a:stretch>
+            <a:fillRect/>
+          </a:stretch>
+        </p:blipFill>
         <p:spPr>
           <a:xfrm>
-            <a:off x="228600" y="1524000"/>
-            <a:ext cx="11811000" cy="4554837"/>
+            <a:off x="3943350" y="1400175"/>
+            <a:ext cx="4305300" cy="4867275"/>
           </a:xfrm>
           <a:prstGeom prst="rect">
             <a:avLst/>
           </a:prstGeom>
         </p:spPr>
-        <p:txBody>
-          <a:bodyPr wrap="square">
-            <a:spAutoFit/>
-          </a:bodyPr>
-          <a:lstStyle/>
-          <a:p>
-            <a:pPr marL="342900" marR="0" lvl="0" indent="-342900">
-              <a:lnSpc>
-                <a:spcPct val="115000"/>
-              </a:lnSpc>
-              <a:spcBef>
-                <a:spcPts val="0"/>
-              </a:spcBef>
-              <a:spcAft>
-                <a:spcPts val="0"/>
-              </a:spcAft>
-              <a:buFont typeface="Arial" panose="020B0604020202020204" pitchFamily="34" charset="0"/>
-              <a:buAutoNum type="arabicPeriod"/>
-            </a:pPr>
-            <a:r>
-              <a:rPr lang="en-US" sz="1400" b="1" u="sng" dirty="0">
-                <a:latin typeface="Arial" panose="020B0604020202020204" pitchFamily="34" charset="0"/>
-                <a:ea typeface="Calibri" panose="020F0502020204030204" pitchFamily="34" charset="0"/>
-                <a:cs typeface="Times New Roman" panose="02020603050405020304" pitchFamily="18" charset="0"/>
-              </a:rPr>
-              <a:t>Answer Question 25 on pg. 147 from the Statistical Sleuth.  Follow the following guidelines while answering the question of interest.</a:t>
-            </a:r>
-            <a:r>
-              <a:rPr lang="en-US" sz="1400" i="1" u="sng" dirty="0">
-                <a:latin typeface="Calibri" panose="020F0502020204030204" pitchFamily="34" charset="0"/>
-                <a:ea typeface="Calibri" panose="020F0502020204030204" pitchFamily="34" charset="0"/>
-                <a:cs typeface="Arial" panose="020B0604020202020204" pitchFamily="34" charset="0"/>
-              </a:rPr>
-              <a:t> </a:t>
-            </a:r>
-            <a:endParaRPr lang="en-US" sz="1400" u="sng" dirty="0">
-              <a:latin typeface="Calibri" panose="020F0502020204030204" pitchFamily="34" charset="0"/>
-              <a:ea typeface="Calibri" panose="020F0502020204030204" pitchFamily="34" charset="0"/>
-              <a:cs typeface="Times New Roman" panose="02020603050405020304" pitchFamily="18" charset="0"/>
-            </a:endParaRPr>
-          </a:p>
-          <a:p>
-            <a:pPr marL="457200" marR="0">
-              <a:lnSpc>
-                <a:spcPct val="115000"/>
-              </a:lnSpc>
-              <a:spcBef>
-                <a:spcPts val="0"/>
-              </a:spcBef>
-              <a:spcAft>
-                <a:spcPts val="1000"/>
-              </a:spcAft>
-            </a:pPr>
-            <a:r>
-              <a:rPr lang="en-US" sz="1400" i="1" dirty="0">
-                <a:latin typeface="Calibri" panose="020F0502020204030204" pitchFamily="34" charset="0"/>
-                <a:ea typeface="Calibri" panose="020F0502020204030204" pitchFamily="34" charset="0"/>
-                <a:cs typeface="Arial" panose="020B0604020202020204" pitchFamily="34" charset="0"/>
-              </a:rPr>
-              <a:t>Plot the raw data, and also plot the data after a log transform.  After a log transform, do the data satisfy the assumptions better? </a:t>
-            </a:r>
-            <a:r>
-              <a:rPr lang="en-US" sz="1400" dirty="0">
-                <a:latin typeface="Calibri" panose="020F0502020204030204" pitchFamily="34" charset="0"/>
-                <a:ea typeface="Calibri" panose="020F0502020204030204" pitchFamily="34" charset="0"/>
-                <a:cs typeface="Arial" panose="020B0604020202020204" pitchFamily="34" charset="0"/>
-              </a:rPr>
-              <a:t>The data is in ex0525.csv on </a:t>
-            </a:r>
-            <a:r>
-              <a:rPr lang="en-US" sz="1400">
-                <a:latin typeface="Calibri" panose="020F0502020204030204" pitchFamily="34" charset="0"/>
-                <a:ea typeface="Calibri" panose="020F0502020204030204" pitchFamily="34" charset="0"/>
-                <a:cs typeface="Arial" panose="020B0604020202020204" pitchFamily="34" charset="0"/>
-              </a:rPr>
-              <a:t>Github. </a:t>
-            </a:r>
-            <a:r>
-              <a:rPr lang="en-US" sz="1400" dirty="0">
-                <a:latin typeface="Calibri" panose="020F0502020204030204" pitchFamily="34" charset="0"/>
-                <a:ea typeface="Calibri" panose="020F0502020204030204" pitchFamily="34" charset="0"/>
-                <a:cs typeface="Arial" panose="020B0604020202020204" pitchFamily="34" charset="0"/>
-              </a:rPr>
-              <a:t>Perform this analysis in SAS.</a:t>
-            </a:r>
-            <a:endParaRPr lang="en-US" sz="1400" dirty="0">
-              <a:latin typeface="Calibri" panose="020F0502020204030204" pitchFamily="34" charset="0"/>
-              <a:ea typeface="Calibri" panose="020F0502020204030204" pitchFamily="34" charset="0"/>
-              <a:cs typeface="Times New Roman" panose="02020603050405020304" pitchFamily="18" charset="0"/>
-            </a:endParaRPr>
-          </a:p>
-          <a:p>
-            <a:pPr>
-              <a:lnSpc>
-                <a:spcPct val="115000"/>
-              </a:lnSpc>
-              <a:spcAft>
-                <a:spcPts val="1000"/>
-              </a:spcAft>
-            </a:pPr>
-            <a:r>
-              <a:rPr lang="en-US" sz="1400" dirty="0">
-                <a:latin typeface="Calibri" panose="020F0502020204030204" pitchFamily="34" charset="0"/>
-                <a:ea typeface="Calibri" panose="020F0502020204030204" pitchFamily="34" charset="0"/>
-                <a:cs typeface="Arial" panose="020B0604020202020204" pitchFamily="34" charset="0"/>
-              </a:rPr>
-              <a:t>Regardless of whether the assumptions of the original data or log transformed data are met, please include a </a:t>
-            </a:r>
-            <a:r>
-              <a:rPr lang="en-US" sz="1400" b="1" dirty="0">
-                <a:latin typeface="Calibri" panose="020F0502020204030204" pitchFamily="34" charset="0"/>
-                <a:ea typeface="Calibri" panose="020F0502020204030204" pitchFamily="34" charset="0"/>
-                <a:cs typeface="Arial" panose="020B0604020202020204" pitchFamily="34" charset="0"/>
-              </a:rPr>
-              <a:t>complete analysis</a:t>
-            </a:r>
-            <a:r>
-              <a:rPr lang="en-US" sz="1400" dirty="0">
-                <a:latin typeface="Calibri" panose="020F0502020204030204" pitchFamily="34" charset="0"/>
-                <a:ea typeface="Calibri" panose="020F0502020204030204" pitchFamily="34" charset="0"/>
-                <a:cs typeface="Arial" panose="020B0604020202020204" pitchFamily="34" charset="0"/>
-              </a:rPr>
-              <a:t> on the </a:t>
-            </a:r>
-            <a:r>
-              <a:rPr lang="en-US" sz="1400" b="1" dirty="0">
-                <a:latin typeface="Calibri" panose="020F0502020204030204" pitchFamily="34" charset="0"/>
-                <a:ea typeface="Calibri" panose="020F0502020204030204" pitchFamily="34" charset="0"/>
-                <a:cs typeface="Arial" panose="020B0604020202020204" pitchFamily="34" charset="0"/>
-              </a:rPr>
-              <a:t>log transformed</a:t>
-            </a:r>
-            <a:r>
-              <a:rPr lang="en-US" sz="1400" dirty="0">
-                <a:latin typeface="Calibri" panose="020F0502020204030204" pitchFamily="34" charset="0"/>
-                <a:ea typeface="Calibri" panose="020F0502020204030204" pitchFamily="34" charset="0"/>
-                <a:cs typeface="Arial" panose="020B0604020202020204" pitchFamily="34" charset="0"/>
-              </a:rPr>
-              <a:t> data.    </a:t>
-            </a:r>
-            <a:endParaRPr lang="en-US" sz="1400" dirty="0">
-              <a:latin typeface="Calibri" panose="020F0502020204030204" pitchFamily="34" charset="0"/>
-              <a:ea typeface="Calibri" panose="020F0502020204030204" pitchFamily="34" charset="0"/>
-              <a:cs typeface="Times New Roman" panose="02020603050405020304" pitchFamily="18" charset="0"/>
-            </a:endParaRPr>
-          </a:p>
-          <a:p>
-            <a:pPr marL="342900" marR="0" lvl="0" indent="-342900">
-              <a:lnSpc>
-                <a:spcPct val="115000"/>
-              </a:lnSpc>
-              <a:spcBef>
-                <a:spcPts val="0"/>
-              </a:spcBef>
-              <a:spcAft>
-                <a:spcPts val="0"/>
-              </a:spcAft>
-              <a:buFont typeface="+mj-lt"/>
-              <a:buAutoNum type="arabicPeriod"/>
-            </a:pPr>
-            <a:r>
-              <a:rPr lang="en-US" sz="1400" dirty="0">
-                <a:latin typeface="Calibri" panose="020F0502020204030204" pitchFamily="34" charset="0"/>
-                <a:ea typeface="Calibri" panose="020F0502020204030204" pitchFamily="34" charset="0"/>
-                <a:cs typeface="Arial" panose="020B0604020202020204" pitchFamily="34" charset="0"/>
-              </a:rPr>
-              <a:t>State the Problem.</a:t>
-            </a:r>
-            <a:endParaRPr lang="en-US" sz="1400" dirty="0">
-              <a:latin typeface="Calibri" panose="020F0502020204030204" pitchFamily="34" charset="0"/>
-              <a:ea typeface="Calibri" panose="020F0502020204030204" pitchFamily="34" charset="0"/>
-              <a:cs typeface="Times New Roman" panose="02020603050405020304" pitchFamily="18" charset="0"/>
-            </a:endParaRPr>
-          </a:p>
-          <a:p>
-            <a:pPr marL="342900" marR="0" lvl="0" indent="-342900">
-              <a:lnSpc>
-                <a:spcPct val="115000"/>
-              </a:lnSpc>
-              <a:spcBef>
-                <a:spcPts val="0"/>
-              </a:spcBef>
-              <a:spcAft>
-                <a:spcPts val="0"/>
-              </a:spcAft>
-              <a:buFont typeface="+mj-lt"/>
-              <a:buAutoNum type="arabicPeriod"/>
-            </a:pPr>
-            <a:r>
-              <a:rPr lang="en-US" sz="1400" dirty="0">
-                <a:latin typeface="Calibri" panose="020F0502020204030204" pitchFamily="34" charset="0"/>
-                <a:ea typeface="Calibri" panose="020F0502020204030204" pitchFamily="34" charset="0"/>
-                <a:cs typeface="Arial" panose="020B0604020202020204" pitchFamily="34" charset="0"/>
-              </a:rPr>
-              <a:t>Address the assumptions.  Comment on each assumption.  (Use the visual test, as the Brown-Forsythe test will be overpowered due to the large sample size.  This simply means that it is able to detect very small effect sizes—here, differences in standard deviations—which may not be big enough to practically affect the test.)  Comment on your thoughts of the assumptions, but, in the end, assume there is not enough visual evidence to suggest the standard deviations of the log transformed data are different.  </a:t>
-            </a:r>
-            <a:endParaRPr lang="en-US" sz="1400" dirty="0">
-              <a:latin typeface="Calibri" panose="020F0502020204030204" pitchFamily="34" charset="0"/>
-              <a:ea typeface="Calibri" panose="020F0502020204030204" pitchFamily="34" charset="0"/>
-              <a:cs typeface="Times New Roman" panose="02020603050405020304" pitchFamily="18" charset="0"/>
-            </a:endParaRPr>
-          </a:p>
-          <a:p>
-            <a:pPr marL="342900" marR="0" lvl="0" indent="-342900">
-              <a:lnSpc>
-                <a:spcPct val="115000"/>
-              </a:lnSpc>
-              <a:spcBef>
-                <a:spcPts val="0"/>
-              </a:spcBef>
-              <a:spcAft>
-                <a:spcPts val="0"/>
-              </a:spcAft>
-              <a:buFont typeface="+mj-lt"/>
-              <a:buAutoNum type="arabicPeriod"/>
-            </a:pPr>
-            <a:r>
-              <a:rPr lang="en-US" sz="1400" dirty="0">
-                <a:latin typeface="Calibri" panose="020F0502020204030204" pitchFamily="34" charset="0"/>
-                <a:ea typeface="Calibri" panose="020F0502020204030204" pitchFamily="34" charset="0"/>
-                <a:cs typeface="Arial" panose="020B0604020202020204" pitchFamily="34" charset="0"/>
-              </a:rPr>
-              <a:t>Conduct the Test. (An example is in the UNIT 5 PowerPoint.) </a:t>
-            </a:r>
-            <a:endParaRPr lang="en-US" sz="1400" dirty="0">
-              <a:latin typeface="Calibri" panose="020F0502020204030204" pitchFamily="34" charset="0"/>
-              <a:ea typeface="Calibri" panose="020F0502020204030204" pitchFamily="34" charset="0"/>
-              <a:cs typeface="Times New Roman" panose="02020603050405020304" pitchFamily="18" charset="0"/>
-            </a:endParaRPr>
-          </a:p>
-          <a:p>
-            <a:pPr marL="342900" marR="0" lvl="0" indent="-342900">
-              <a:lnSpc>
-                <a:spcPct val="115000"/>
-              </a:lnSpc>
-              <a:spcBef>
-                <a:spcPts val="0"/>
-              </a:spcBef>
-              <a:spcAft>
-                <a:spcPts val="0"/>
-              </a:spcAft>
-              <a:buFont typeface="+mj-lt"/>
-              <a:buAutoNum type="arabicPeriod"/>
-            </a:pPr>
-            <a:r>
-              <a:rPr lang="en-US" sz="1400" dirty="0">
-                <a:latin typeface="Calibri" panose="020F0502020204030204" pitchFamily="34" charset="0"/>
-                <a:ea typeface="Calibri" panose="020F0502020204030204" pitchFamily="34" charset="0"/>
-                <a:cs typeface="Arial" panose="020B0604020202020204" pitchFamily="34" charset="0"/>
-              </a:rPr>
-              <a:t>Write a conclusion. (An example is in the UNIT 5 PowerPoint.)</a:t>
-            </a:r>
-            <a:endParaRPr lang="en-US" sz="1400" dirty="0">
-              <a:latin typeface="Calibri" panose="020F0502020204030204" pitchFamily="34" charset="0"/>
-              <a:ea typeface="Calibri" panose="020F0502020204030204" pitchFamily="34" charset="0"/>
-              <a:cs typeface="Times New Roman" panose="02020603050405020304" pitchFamily="18" charset="0"/>
-            </a:endParaRPr>
-          </a:p>
-          <a:p>
-            <a:pPr marL="342900" marR="0" lvl="0" indent="-342900">
-              <a:lnSpc>
-                <a:spcPct val="115000"/>
-              </a:lnSpc>
-              <a:spcBef>
-                <a:spcPts val="0"/>
-              </a:spcBef>
-              <a:spcAft>
-                <a:spcPts val="1000"/>
-              </a:spcAft>
-              <a:buFont typeface="+mj-lt"/>
-              <a:buAutoNum type="arabicPeriod"/>
-            </a:pPr>
-            <a:r>
-              <a:rPr lang="en-US" sz="1400" dirty="0">
-                <a:latin typeface="Calibri" panose="020F0502020204030204" pitchFamily="34" charset="0"/>
-                <a:ea typeface="Calibri" panose="020F0502020204030204" pitchFamily="34" charset="0"/>
-                <a:cs typeface="Arial" panose="020B0604020202020204" pitchFamily="34" charset="0"/>
-              </a:rPr>
-              <a:t>State the Scope. (Can we generalize to the entire population or just the sample that was taken?  Is there a causal relationship present?)</a:t>
-            </a:r>
-            <a:endParaRPr lang="en-US" sz="1400" dirty="0">
-              <a:latin typeface="Calibri" panose="020F0502020204030204" pitchFamily="34" charset="0"/>
-              <a:ea typeface="Calibri" panose="020F0502020204030204" pitchFamily="34" charset="0"/>
-              <a:cs typeface="Times New Roman" panose="02020603050405020304" pitchFamily="18" charset="0"/>
-            </a:endParaRPr>
-          </a:p>
-          <a:p>
-            <a:pPr>
-              <a:lnSpc>
-                <a:spcPct val="115000"/>
-              </a:lnSpc>
-              <a:spcAft>
-                <a:spcPts val="1000"/>
-              </a:spcAft>
-            </a:pPr>
-            <a:r>
-              <a:rPr lang="en-US" sz="1400" dirty="0">
-                <a:latin typeface="Calibri" panose="020F0502020204030204" pitchFamily="34" charset="0"/>
-                <a:ea typeface="Calibri" panose="020F0502020204030204" pitchFamily="34" charset="0"/>
-                <a:cs typeface="Arial" panose="020B0604020202020204" pitchFamily="34" charset="0"/>
-              </a:rPr>
-              <a:t>ADDITIONAL THINGS TO INCLUDE (for the logged data):</a:t>
-            </a:r>
-            <a:endParaRPr lang="en-US" sz="1400" dirty="0">
-              <a:latin typeface="Calibri" panose="020F0502020204030204" pitchFamily="34" charset="0"/>
-              <a:ea typeface="Calibri" panose="020F0502020204030204" pitchFamily="34" charset="0"/>
-              <a:cs typeface="Times New Roman" panose="02020603050405020304" pitchFamily="18" charset="0"/>
-            </a:endParaRPr>
-          </a:p>
-          <a:p>
-            <a:pPr marL="342900" marR="0" lvl="0" indent="-342900">
-              <a:lnSpc>
-                <a:spcPct val="115000"/>
-              </a:lnSpc>
-              <a:spcBef>
-                <a:spcPts val="0"/>
-              </a:spcBef>
-              <a:spcAft>
-                <a:spcPts val="0"/>
-              </a:spcAft>
-              <a:buFont typeface="+mj-lt"/>
-              <a:buAutoNum type="alphaLcPeriod"/>
-            </a:pPr>
-            <a:r>
-              <a:rPr lang="en-US" sz="1400" dirty="0">
-                <a:latin typeface="Calibri" panose="020F0502020204030204" pitchFamily="34" charset="0"/>
-                <a:ea typeface="Calibri" panose="020F0502020204030204" pitchFamily="34" charset="0"/>
-                <a:cs typeface="Arial" panose="020B0604020202020204" pitchFamily="34" charset="0"/>
-              </a:rPr>
-              <a:t>Please also identify R</a:t>
-            </a:r>
-            <a:r>
-              <a:rPr lang="en-US" sz="1400" baseline="30000" dirty="0">
-                <a:latin typeface="Calibri" panose="020F0502020204030204" pitchFamily="34" charset="0"/>
-                <a:ea typeface="Calibri" panose="020F0502020204030204" pitchFamily="34" charset="0"/>
-                <a:cs typeface="Arial" panose="020B0604020202020204" pitchFamily="34" charset="0"/>
-              </a:rPr>
-              <a:t>2</a:t>
-            </a:r>
-            <a:endParaRPr lang="en-US" sz="1400" dirty="0">
-              <a:latin typeface="Calibri" panose="020F0502020204030204" pitchFamily="34" charset="0"/>
-              <a:ea typeface="Calibri" panose="020F0502020204030204" pitchFamily="34" charset="0"/>
-              <a:cs typeface="Times New Roman" panose="02020603050405020304" pitchFamily="18" charset="0"/>
-            </a:endParaRPr>
-          </a:p>
-          <a:p>
-            <a:pPr marL="342900" marR="0" lvl="0" indent="-342900">
-              <a:lnSpc>
-                <a:spcPct val="115000"/>
-              </a:lnSpc>
-              <a:spcBef>
-                <a:spcPts val="0"/>
-              </a:spcBef>
-              <a:spcAft>
-                <a:spcPts val="0"/>
-              </a:spcAft>
-              <a:buFont typeface="+mj-lt"/>
-              <a:buAutoNum type="alphaLcPeriod"/>
-            </a:pPr>
-            <a:r>
-              <a:rPr lang="en-US" sz="1400" dirty="0">
-                <a:latin typeface="Calibri" panose="020F0502020204030204" pitchFamily="34" charset="0"/>
-                <a:ea typeface="Calibri" panose="020F0502020204030204" pitchFamily="34" charset="0"/>
-                <a:cs typeface="Arial" panose="020B0604020202020204" pitchFamily="34" charset="0"/>
-              </a:rPr>
-              <a:t>Also specify the mean square error and how many degrees of freedom were used to estimate it.  </a:t>
-            </a:r>
-            <a:endParaRPr lang="en-US" sz="1400" dirty="0">
-              <a:latin typeface="Calibri" panose="020F0502020204030204" pitchFamily="34" charset="0"/>
-              <a:ea typeface="Calibri" panose="020F0502020204030204" pitchFamily="34" charset="0"/>
-              <a:cs typeface="Times New Roman" panose="02020603050405020304" pitchFamily="18" charset="0"/>
-            </a:endParaRPr>
-          </a:p>
-          <a:p>
-            <a:pPr marL="342900" marR="0" lvl="0" indent="-342900">
-              <a:lnSpc>
-                <a:spcPct val="115000"/>
-              </a:lnSpc>
-              <a:spcBef>
-                <a:spcPts val="0"/>
-              </a:spcBef>
-              <a:spcAft>
-                <a:spcPts val="1000"/>
-              </a:spcAft>
-              <a:buFont typeface="+mj-lt"/>
-              <a:buAutoNum type="alphaLcPeriod"/>
-            </a:pPr>
-            <a:r>
-              <a:rPr lang="en-US" sz="1400" dirty="0">
-                <a:latin typeface="Calibri" panose="020F0502020204030204" pitchFamily="34" charset="0"/>
-                <a:ea typeface="Calibri" panose="020F0502020204030204" pitchFamily="34" charset="0"/>
-                <a:cs typeface="Arial" panose="020B0604020202020204" pitchFamily="34" charset="0"/>
-              </a:rPr>
-              <a:t>Provide the code to perform the ANOVA in R and a screen shot of the output.  </a:t>
-            </a:r>
-            <a:endParaRPr lang="en-US" sz="1400" dirty="0">
-              <a:latin typeface="Calibri" panose="020F0502020204030204" pitchFamily="34" charset="0"/>
-              <a:ea typeface="Calibri" panose="020F0502020204030204" pitchFamily="34" charset="0"/>
-              <a:cs typeface="Times New Roman" panose="02020603050405020304" pitchFamily="18" charset="0"/>
-            </a:endParaRPr>
-          </a:p>
-        </p:txBody>
-      </p:sp>
+      </p:pic>
     </p:spTree>
     <p:extLst>
       <p:ext uri="{BB962C8B-B14F-4D97-AF65-F5344CB8AC3E}">
-        <p14:creationId xmlns:p14="http://schemas.microsoft.com/office/powerpoint/2010/main" val="84534023"/>
+        <p14:creationId xmlns:p14="http://schemas.microsoft.com/office/powerpoint/2010/main" val="3835107749"/>
       </p:ext>
     </p:extLst>
   </p:cSld>
@@ -3074,6 +2685,93 @@
 </file>
 
 <file path=ppt/slides/slide11.xml><?xml version="1.0" encoding="utf-8"?>
+<p:sld xmlns:a="http://schemas.openxmlformats.org/drawingml/2006/main" xmlns:r="http://schemas.openxmlformats.org/officeDocument/2006/relationships" xmlns:p="http://schemas.openxmlformats.org/presentationml/2006/main">
+  <p:cSld>
+    <p:spTree>
+      <p:nvGrpSpPr>
+        <p:cNvPr id="1" name=""/>
+        <p:cNvGrpSpPr/>
+        <p:nvPr/>
+      </p:nvGrpSpPr>
+      <p:grpSpPr>
+        <a:xfrm>
+          <a:off x="0" y="0"/>
+          <a:ext cx="0" cy="0"/>
+          <a:chOff x="0" y="0"/>
+          <a:chExt cx="0" cy="0"/>
+        </a:xfrm>
+      </p:grpSpPr>
+      <p:sp>
+        <p:nvSpPr>
+          <p:cNvPr id="2" name="Title 1">
+            <a:extLst>
+              <a:ext uri="{FF2B5EF4-FFF2-40B4-BE49-F238E27FC236}">
+                <a16:creationId xmlns:a16="http://schemas.microsoft.com/office/drawing/2014/main" id="{48D10E42-4DAF-7376-1F31-645688303F6E}"/>
+              </a:ext>
+            </a:extLst>
+          </p:cNvPr>
+          <p:cNvSpPr>
+            <a:spLocks noGrp="1"/>
+          </p:cNvSpPr>
+          <p:nvPr>
+            <p:ph type="title"/>
+          </p:nvPr>
+        </p:nvSpPr>
+        <p:spPr/>
+        <p:txBody>
+          <a:bodyPr/>
+          <a:lstStyle/>
+          <a:p>
+            <a:r>
+              <a:rPr lang="en-US" dirty="0"/>
+              <a:t>Height</a:t>
+            </a:r>
+          </a:p>
+        </p:txBody>
+      </p:sp>
+      <p:pic>
+        <p:nvPicPr>
+          <p:cNvPr id="5" name="Content Placeholder 4">
+            <a:extLst>
+              <a:ext uri="{FF2B5EF4-FFF2-40B4-BE49-F238E27FC236}">
+                <a16:creationId xmlns:a16="http://schemas.microsoft.com/office/drawing/2014/main" id="{70FDE3BA-D60A-676B-E750-162DA94B85E2}"/>
+              </a:ext>
+            </a:extLst>
+          </p:cNvPr>
+          <p:cNvPicPr>
+            <a:picLocks noGrp="1" noChangeAspect="1"/>
+          </p:cNvPicPr>
+          <p:nvPr>
+            <p:ph idx="1"/>
+          </p:nvPr>
+        </p:nvPicPr>
+        <p:blipFill>
+          <a:blip r:embed="rId2"/>
+          <a:stretch>
+            <a:fillRect/>
+          </a:stretch>
+        </p:blipFill>
+        <p:spPr>
+          <a:xfrm>
+            <a:off x="2590800" y="1600200"/>
+            <a:ext cx="7162800" cy="4525963"/>
+          </a:xfrm>
+        </p:spPr>
+      </p:pic>
+    </p:spTree>
+    <p:extLst>
+      <p:ext uri="{BB962C8B-B14F-4D97-AF65-F5344CB8AC3E}">
+        <p14:creationId xmlns:p14="http://schemas.microsoft.com/office/powerpoint/2010/main" val="3946148845"/>
+      </p:ext>
+    </p:extLst>
+  </p:cSld>
+  <p:clrMapOvr>
+    <a:masterClrMapping/>
+  </p:clrMapOvr>
+</p:sld>
+</file>
+
+<file path=ppt/slides/slide12.xml><?xml version="1.0" encoding="utf-8"?>
 <p:sld xmlns:a="http://schemas.openxmlformats.org/drawingml/2006/main" xmlns:r="http://schemas.openxmlformats.org/officeDocument/2006/relationships" xmlns:p="http://schemas.openxmlformats.org/presentationml/2006/main">
   <p:cSld>
     <p:spTree>
@@ -3113,7 +2811,7 @@
             <a:pPr algn="ctr"/>
             <a:r>
               <a:rPr lang="en-US" dirty="0"/>
-              <a:t>End Question 3</a:t>
+              <a:t>End Question 2</a:t>
             </a:r>
             <a:br>
               <a:rPr lang="en-US" dirty="0"/>
@@ -3253,7 +2951,1034 @@
               <a:pPr>
                 <a:defRPr/>
               </a:pPr>
-              <a:t>11</a:t>
+              <a:t>12</a:t>
+            </a:fld>
+            <a:endParaRPr lang="en-US" altLang="en-US" dirty="0"/>
+          </a:p>
+        </p:txBody>
+      </p:sp>
+    </p:spTree>
+    <p:extLst>
+      <p:ext uri="{BB962C8B-B14F-4D97-AF65-F5344CB8AC3E}">
+        <p14:creationId xmlns:p14="http://schemas.microsoft.com/office/powerpoint/2010/main" val="2411195427"/>
+      </p:ext>
+    </p:extLst>
+  </p:cSld>
+  <p:clrMapOvr>
+    <a:masterClrMapping/>
+  </p:clrMapOvr>
+</p:sld>
+</file>
+
+<file path=ppt/slides/slide13.xml><?xml version="1.0" encoding="utf-8"?>
+<p:sld xmlns:a="http://schemas.openxmlformats.org/drawingml/2006/main" xmlns:r="http://schemas.openxmlformats.org/officeDocument/2006/relationships" xmlns:p="http://schemas.openxmlformats.org/presentationml/2006/main">
+  <p:cSld>
+    <p:spTree>
+      <p:nvGrpSpPr>
+        <p:cNvPr id="1" name=""/>
+        <p:cNvGrpSpPr/>
+        <p:nvPr/>
+      </p:nvGrpSpPr>
+      <p:grpSpPr>
+        <a:xfrm>
+          <a:off x="0" y="0"/>
+          <a:ext cx="0" cy="0"/>
+          <a:chOff x="0" y="0"/>
+          <a:chExt cx="0" cy="0"/>
+        </a:xfrm>
+      </p:grpSpPr>
+      <mc:AlternateContent xmlns:mc="http://schemas.openxmlformats.org/markup-compatibility/2006" xmlns:a14="http://schemas.microsoft.com/office/drawing/2010/main">
+        <mc:Choice Requires="a14">
+          <p:sp>
+            <p:nvSpPr>
+              <p:cNvPr id="2" name="Title 1"/>
+              <p:cNvSpPr>
+                <a:spLocks noGrp="1"/>
+              </p:cNvSpPr>
+              <p:nvPr>
+                <p:ph type="title"/>
+              </p:nvPr>
+            </p:nvSpPr>
+            <p:spPr>
+              <a:xfrm>
+                <a:off x="1781783" y="3429001"/>
+                <a:ext cx="8628434" cy="1450757"/>
+              </a:xfrm>
+            </p:spPr>
+            <p:txBody>
+              <a:bodyPr/>
+              <a:lstStyle/>
+              <a:p>
+                <a:pPr algn="ctr"/>
+                <a:r>
+                  <a:rPr lang="en-US" dirty="0"/>
+                  <a:t>Question 3</a:t>
+                </a:r>
+                <a:br>
+                  <a:rPr lang="en-US" dirty="0"/>
+                </a:br>
+                <a:r>
+                  <a:rPr lang="en-US" dirty="0"/>
+                  <a:t>(</a:t>
+                </a:r>
+                <a14:m>
+                  <m:oMath xmlns:m="http://schemas.openxmlformats.org/officeDocument/2006/math">
+                    <m:r>
+                      <a:rPr lang="en-US" i="1" smtClean="0">
+                        <a:latin typeface="Cambria Math" panose="02040503050406030204" pitchFamily="18" charset="0"/>
+                        <a:ea typeface="Cambria Math" panose="02040503050406030204" pitchFamily="18" charset="0"/>
+                      </a:rPr>
+                      <m:t>≤</m:t>
+                    </m:r>
+                    <m:r>
+                      <a:rPr lang="en-US" b="0" i="0" smtClean="0">
+                        <a:latin typeface="Cambria Math" panose="02040503050406030204" pitchFamily="18" charset="0"/>
+                        <a:ea typeface="Cambria Math" panose="02040503050406030204" pitchFamily="18" charset="0"/>
+                      </a:rPr>
+                      <m:t>2</m:t>
+                    </m:r>
+                  </m:oMath>
+                </a14:m>
+                <a:r>
+                  <a:rPr lang="en-US" dirty="0"/>
+                  <a:t> hours)</a:t>
+                </a:r>
+                <a:br>
+                  <a:rPr lang="en-US" dirty="0"/>
+                </a:br>
+                <a:br>
+                  <a:rPr lang="en-US" dirty="0"/>
+                </a:br>
+                <a:endParaRPr lang="en-US" dirty="0"/>
+              </a:p>
+            </p:txBody>
+          </p:sp>
+        </mc:Choice>
+        <mc:Fallback xmlns="">
+          <p:sp>
+            <p:nvSpPr>
+              <p:cNvPr id="2" name="Title 1"/>
+              <p:cNvSpPr>
+                <a:spLocks noGrp="1" noRot="1" noChangeAspect="1" noMove="1" noResize="1" noEditPoints="1" noAdjustHandles="1" noChangeArrowheads="1" noChangeShapeType="1" noTextEdit="1"/>
+              </p:cNvSpPr>
+              <p:nvPr>
+                <p:ph type="title"/>
+              </p:nvPr>
+            </p:nvSpPr>
+            <p:spPr>
+              <a:xfrm>
+                <a:off x="1781783" y="3429001"/>
+                <a:ext cx="8628434" cy="1450757"/>
+              </a:xfrm>
+              <a:blipFill>
+                <a:blip r:embed="rId2"/>
+                <a:stretch>
+                  <a:fillRect t="-55263"/>
+                </a:stretch>
+              </a:blipFill>
+            </p:spPr>
+            <p:txBody>
+              <a:bodyPr/>
+              <a:lstStyle/>
+              <a:p>
+                <a:r>
+                  <a:rPr lang="en-US">
+                    <a:noFill/>
+                  </a:rPr>
+                  <a:t> </a:t>
+                </a:r>
+              </a:p>
+            </p:txBody>
+          </p:sp>
+        </mc:Fallback>
+      </mc:AlternateContent>
+      <p:sp>
+        <p:nvSpPr>
+          <p:cNvPr id="4" name="Slide Number Placeholder 3"/>
+          <p:cNvSpPr>
+            <a:spLocks noGrp="1"/>
+          </p:cNvSpPr>
+          <p:nvPr>
+            <p:ph type="sldNum" sz="quarter" idx="12"/>
+          </p:nvPr>
+        </p:nvSpPr>
+        <p:spPr>
+          <a:xfrm>
+            <a:off x="7425345" y="6459789"/>
+            <a:ext cx="984019" cy="365125"/>
+          </a:xfrm>
+          <a:prstGeom prst="rect">
+            <a:avLst/>
+          </a:prstGeom>
+        </p:spPr>
+        <p:txBody>
+          <a:bodyPr vert="horz" lIns="91440" tIns="45720" rIns="91440" bIns="45720" rtlCol="0" anchor="ctr"/>
+          <a:lstStyle>
+            <a:defPPr>
+              <a:defRPr lang="en-US"/>
+            </a:defPPr>
+            <a:lvl1pPr marL="0" algn="r" defTabSz="914400" rtl="0" eaLnBrk="1" latinLnBrk="0" hangingPunct="1">
+              <a:defRPr sz="1050" kern="1200">
+                <a:solidFill>
+                  <a:srgbClr val="FFFFFF"/>
+                </a:solidFill>
+                <a:latin typeface="+mn-lt"/>
+                <a:ea typeface="+mn-ea"/>
+                <a:cs typeface="+mn-cs"/>
+              </a:defRPr>
+            </a:lvl1pPr>
+            <a:lvl2pPr marL="457200" algn="l" defTabSz="914400" rtl="0" eaLnBrk="1" latinLnBrk="0" hangingPunct="1">
+              <a:defRPr sz="1800" kern="1200">
+                <a:solidFill>
+                  <a:schemeClr val="tx1"/>
+                </a:solidFill>
+                <a:latin typeface="+mn-lt"/>
+                <a:ea typeface="+mn-ea"/>
+                <a:cs typeface="+mn-cs"/>
+              </a:defRPr>
+            </a:lvl2pPr>
+            <a:lvl3pPr marL="914400" algn="l" defTabSz="914400" rtl="0" eaLnBrk="1" latinLnBrk="0" hangingPunct="1">
+              <a:defRPr sz="1800" kern="1200">
+                <a:solidFill>
+                  <a:schemeClr val="tx1"/>
+                </a:solidFill>
+                <a:latin typeface="+mn-lt"/>
+                <a:ea typeface="+mn-ea"/>
+                <a:cs typeface="+mn-cs"/>
+              </a:defRPr>
+            </a:lvl3pPr>
+            <a:lvl4pPr marL="1371600" algn="l" defTabSz="914400" rtl="0" eaLnBrk="1" latinLnBrk="0" hangingPunct="1">
+              <a:defRPr sz="1800" kern="1200">
+                <a:solidFill>
+                  <a:schemeClr val="tx1"/>
+                </a:solidFill>
+                <a:latin typeface="+mn-lt"/>
+                <a:ea typeface="+mn-ea"/>
+                <a:cs typeface="+mn-cs"/>
+              </a:defRPr>
+            </a:lvl4pPr>
+            <a:lvl5pPr marL="1828800" algn="l" defTabSz="914400" rtl="0" eaLnBrk="1" latinLnBrk="0" hangingPunct="1">
+              <a:defRPr sz="1800" kern="1200">
+                <a:solidFill>
+                  <a:schemeClr val="tx1"/>
+                </a:solidFill>
+                <a:latin typeface="+mn-lt"/>
+                <a:ea typeface="+mn-ea"/>
+                <a:cs typeface="+mn-cs"/>
+              </a:defRPr>
+            </a:lvl5pPr>
+            <a:lvl6pPr marL="2286000" algn="l" defTabSz="914400" rtl="0" eaLnBrk="1" latinLnBrk="0" hangingPunct="1">
+              <a:defRPr sz="1800" kern="1200">
+                <a:solidFill>
+                  <a:schemeClr val="tx1"/>
+                </a:solidFill>
+                <a:latin typeface="+mn-lt"/>
+                <a:ea typeface="+mn-ea"/>
+                <a:cs typeface="+mn-cs"/>
+              </a:defRPr>
+            </a:lvl6pPr>
+            <a:lvl7pPr marL="2743200" algn="l" defTabSz="914400" rtl="0" eaLnBrk="1" latinLnBrk="0" hangingPunct="1">
+              <a:defRPr sz="1800" kern="1200">
+                <a:solidFill>
+                  <a:schemeClr val="tx1"/>
+                </a:solidFill>
+                <a:latin typeface="+mn-lt"/>
+                <a:ea typeface="+mn-ea"/>
+                <a:cs typeface="+mn-cs"/>
+              </a:defRPr>
+            </a:lvl7pPr>
+            <a:lvl8pPr marL="3200400" algn="l" defTabSz="914400" rtl="0" eaLnBrk="1" latinLnBrk="0" hangingPunct="1">
+              <a:defRPr sz="1800" kern="1200">
+                <a:solidFill>
+                  <a:schemeClr val="tx1"/>
+                </a:solidFill>
+                <a:latin typeface="+mn-lt"/>
+                <a:ea typeface="+mn-ea"/>
+                <a:cs typeface="+mn-cs"/>
+              </a:defRPr>
+            </a:lvl8pPr>
+            <a:lvl9pPr marL="3657600" algn="l" defTabSz="914400" rtl="0" eaLnBrk="1" latinLnBrk="0" hangingPunct="1">
+              <a:defRPr sz="1800" kern="1200">
+                <a:solidFill>
+                  <a:schemeClr val="tx1"/>
+                </a:solidFill>
+                <a:latin typeface="+mn-lt"/>
+                <a:ea typeface="+mn-ea"/>
+                <a:cs typeface="+mn-cs"/>
+              </a:defRPr>
+            </a:lvl9pPr>
+          </a:lstStyle>
+          <a:p>
+            <a:pPr>
+              <a:defRPr/>
+            </a:pPr>
+            <a:fld id="{85BC5B7D-D6B0-4550-9BAF-D21F2647AC79}" type="slidenum">
+              <a:rPr lang="en-US" altLang="en-US" smtClean="0"/>
+              <a:pPr>
+                <a:defRPr/>
+              </a:pPr>
+              <a:t>13</a:t>
+            </a:fld>
+            <a:endParaRPr lang="en-US" altLang="en-US" dirty="0"/>
+          </a:p>
+        </p:txBody>
+      </p:sp>
+    </p:spTree>
+    <p:extLst>
+      <p:ext uri="{BB962C8B-B14F-4D97-AF65-F5344CB8AC3E}">
+        <p14:creationId xmlns:p14="http://schemas.microsoft.com/office/powerpoint/2010/main" val="4212347915"/>
+      </p:ext>
+    </p:extLst>
+  </p:cSld>
+  <p:clrMapOvr>
+    <a:masterClrMapping/>
+  </p:clrMapOvr>
+</p:sld>
+</file>
+
+<file path=ppt/slides/slide14.xml><?xml version="1.0" encoding="utf-8"?>
+<p:sld xmlns:a="http://schemas.openxmlformats.org/drawingml/2006/main" xmlns:r="http://schemas.openxmlformats.org/officeDocument/2006/relationships" xmlns:p="http://schemas.openxmlformats.org/presentationml/2006/main">
+  <p:cSld>
+    <p:spTree>
+      <p:nvGrpSpPr>
+        <p:cNvPr id="1" name=""/>
+        <p:cNvGrpSpPr/>
+        <p:nvPr/>
+      </p:nvGrpSpPr>
+      <p:grpSpPr>
+        <a:xfrm>
+          <a:off x="0" y="0"/>
+          <a:ext cx="0" cy="0"/>
+          <a:chOff x="0" y="0"/>
+          <a:chExt cx="0" cy="0"/>
+        </a:xfrm>
+      </p:grpSpPr>
+      <p:sp>
+        <p:nvSpPr>
+          <p:cNvPr id="5" name="Title 4">
+            <a:extLst>
+              <a:ext uri="{FF2B5EF4-FFF2-40B4-BE49-F238E27FC236}">
+                <a16:creationId xmlns:a16="http://schemas.microsoft.com/office/drawing/2014/main" id="{47CCFDD9-4C48-FB4B-9A63-014E05C812A5}"/>
+              </a:ext>
+            </a:extLst>
+          </p:cNvPr>
+          <p:cNvSpPr>
+            <a:spLocks noGrp="1"/>
+          </p:cNvSpPr>
+          <p:nvPr>
+            <p:ph type="title"/>
+          </p:nvPr>
+        </p:nvSpPr>
+        <p:spPr/>
+        <p:txBody>
+          <a:bodyPr/>
+          <a:lstStyle/>
+          <a:p>
+            <a:r>
+              <a:rPr lang="en-US" dirty="0"/>
+              <a:t>HW Problem 1</a:t>
+            </a:r>
+          </a:p>
+        </p:txBody>
+      </p:sp>
+      <p:sp>
+        <p:nvSpPr>
+          <p:cNvPr id="11" name="Rectangle 10">
+            <a:extLst>
+              <a:ext uri="{FF2B5EF4-FFF2-40B4-BE49-F238E27FC236}">
+                <a16:creationId xmlns:a16="http://schemas.microsoft.com/office/drawing/2014/main" id="{E13FC93D-5DD2-B24F-982C-B742DF951FF2}"/>
+              </a:ext>
+            </a:extLst>
+          </p:cNvPr>
+          <p:cNvSpPr/>
+          <p:nvPr/>
+        </p:nvSpPr>
+        <p:spPr>
+          <a:xfrm>
+            <a:off x="228600" y="1524000"/>
+            <a:ext cx="11811000" cy="4554837"/>
+          </a:xfrm>
+          <a:prstGeom prst="rect">
+            <a:avLst/>
+          </a:prstGeom>
+        </p:spPr>
+        <p:txBody>
+          <a:bodyPr wrap="square">
+            <a:spAutoFit/>
+          </a:bodyPr>
+          <a:lstStyle/>
+          <a:p>
+            <a:pPr marL="342900" marR="0" lvl="0" indent="-342900">
+              <a:lnSpc>
+                <a:spcPct val="115000"/>
+              </a:lnSpc>
+              <a:spcBef>
+                <a:spcPts val="0"/>
+              </a:spcBef>
+              <a:spcAft>
+                <a:spcPts val="0"/>
+              </a:spcAft>
+              <a:buFont typeface="Arial" panose="020B0604020202020204" pitchFamily="34" charset="0"/>
+              <a:buAutoNum type="arabicPeriod"/>
+            </a:pPr>
+            <a:r>
+              <a:rPr lang="en-US" sz="1400" b="1" u="sng" dirty="0">
+                <a:latin typeface="Arial" panose="020B0604020202020204" pitchFamily="34" charset="0"/>
+                <a:ea typeface="Calibri" panose="020F0502020204030204" pitchFamily="34" charset="0"/>
+                <a:cs typeface="Times New Roman" panose="02020603050405020304" pitchFamily="18" charset="0"/>
+              </a:rPr>
+              <a:t>Answer Question 25 on pg. 147 from the Statistical Sleuth.  Follow the following guidelines while answering the question of interest.</a:t>
+            </a:r>
+            <a:r>
+              <a:rPr lang="en-US" sz="1400" i="1" u="sng" dirty="0">
+                <a:latin typeface="Calibri" panose="020F0502020204030204" pitchFamily="34" charset="0"/>
+                <a:ea typeface="Calibri" panose="020F0502020204030204" pitchFamily="34" charset="0"/>
+                <a:cs typeface="Arial" panose="020B0604020202020204" pitchFamily="34" charset="0"/>
+              </a:rPr>
+              <a:t> </a:t>
+            </a:r>
+            <a:endParaRPr lang="en-US" sz="1400" u="sng" dirty="0">
+              <a:latin typeface="Calibri" panose="020F0502020204030204" pitchFamily="34" charset="0"/>
+              <a:ea typeface="Calibri" panose="020F0502020204030204" pitchFamily="34" charset="0"/>
+              <a:cs typeface="Times New Roman" panose="02020603050405020304" pitchFamily="18" charset="0"/>
+            </a:endParaRPr>
+          </a:p>
+          <a:p>
+            <a:pPr marL="457200" marR="0">
+              <a:lnSpc>
+                <a:spcPct val="115000"/>
+              </a:lnSpc>
+              <a:spcBef>
+                <a:spcPts val="0"/>
+              </a:spcBef>
+              <a:spcAft>
+                <a:spcPts val="1000"/>
+              </a:spcAft>
+            </a:pPr>
+            <a:r>
+              <a:rPr lang="en-US" sz="1400" i="1" dirty="0">
+                <a:latin typeface="Calibri" panose="020F0502020204030204" pitchFamily="34" charset="0"/>
+                <a:ea typeface="Calibri" panose="020F0502020204030204" pitchFamily="34" charset="0"/>
+                <a:cs typeface="Arial" panose="020B0604020202020204" pitchFamily="34" charset="0"/>
+              </a:rPr>
+              <a:t>Plot the raw data, and also plot the data after a log transform.  After a log transform, do the data satisfy the assumptions better? </a:t>
+            </a:r>
+            <a:r>
+              <a:rPr lang="en-US" sz="1400" dirty="0">
+                <a:latin typeface="Calibri" panose="020F0502020204030204" pitchFamily="34" charset="0"/>
+                <a:ea typeface="Calibri" panose="020F0502020204030204" pitchFamily="34" charset="0"/>
+                <a:cs typeface="Arial" panose="020B0604020202020204" pitchFamily="34" charset="0"/>
+              </a:rPr>
+              <a:t>The data is in ex0525.csv on </a:t>
+            </a:r>
+            <a:r>
+              <a:rPr lang="en-US" sz="1400" dirty="0" err="1">
+                <a:latin typeface="Calibri" panose="020F0502020204030204" pitchFamily="34" charset="0"/>
+                <a:ea typeface="Calibri" panose="020F0502020204030204" pitchFamily="34" charset="0"/>
+                <a:cs typeface="Arial" panose="020B0604020202020204" pitchFamily="34" charset="0"/>
+              </a:rPr>
+              <a:t>Github</a:t>
+            </a:r>
+            <a:r>
+              <a:rPr lang="en-US" sz="1400" dirty="0">
+                <a:latin typeface="Calibri" panose="020F0502020204030204" pitchFamily="34" charset="0"/>
+                <a:ea typeface="Calibri" panose="020F0502020204030204" pitchFamily="34" charset="0"/>
+                <a:cs typeface="Arial" panose="020B0604020202020204" pitchFamily="34" charset="0"/>
+              </a:rPr>
+              <a:t>. Perform this analysis in SAS.</a:t>
+            </a:r>
+            <a:endParaRPr lang="en-US" sz="1400" dirty="0">
+              <a:latin typeface="Calibri" panose="020F0502020204030204" pitchFamily="34" charset="0"/>
+              <a:ea typeface="Calibri" panose="020F0502020204030204" pitchFamily="34" charset="0"/>
+              <a:cs typeface="Times New Roman" panose="02020603050405020304" pitchFamily="18" charset="0"/>
+            </a:endParaRPr>
+          </a:p>
+          <a:p>
+            <a:pPr>
+              <a:lnSpc>
+                <a:spcPct val="115000"/>
+              </a:lnSpc>
+              <a:spcAft>
+                <a:spcPts val="1000"/>
+              </a:spcAft>
+            </a:pPr>
+            <a:r>
+              <a:rPr lang="en-US" sz="1400" dirty="0">
+                <a:latin typeface="Calibri" panose="020F0502020204030204" pitchFamily="34" charset="0"/>
+                <a:ea typeface="Calibri" panose="020F0502020204030204" pitchFamily="34" charset="0"/>
+                <a:cs typeface="Arial" panose="020B0604020202020204" pitchFamily="34" charset="0"/>
+              </a:rPr>
+              <a:t>Regardless of whether the assumptions of the original data or log transformed data are met, please include a </a:t>
+            </a:r>
+            <a:r>
+              <a:rPr lang="en-US" sz="1400" b="1" dirty="0">
+                <a:latin typeface="Calibri" panose="020F0502020204030204" pitchFamily="34" charset="0"/>
+                <a:ea typeface="Calibri" panose="020F0502020204030204" pitchFamily="34" charset="0"/>
+                <a:cs typeface="Arial" panose="020B0604020202020204" pitchFamily="34" charset="0"/>
+              </a:rPr>
+              <a:t>complete analysis</a:t>
+            </a:r>
+            <a:r>
+              <a:rPr lang="en-US" sz="1400" dirty="0">
+                <a:latin typeface="Calibri" panose="020F0502020204030204" pitchFamily="34" charset="0"/>
+                <a:ea typeface="Calibri" panose="020F0502020204030204" pitchFamily="34" charset="0"/>
+                <a:cs typeface="Arial" panose="020B0604020202020204" pitchFamily="34" charset="0"/>
+              </a:rPr>
+              <a:t> on the </a:t>
+            </a:r>
+            <a:r>
+              <a:rPr lang="en-US" sz="1400" b="1" dirty="0">
+                <a:latin typeface="Calibri" panose="020F0502020204030204" pitchFamily="34" charset="0"/>
+                <a:ea typeface="Calibri" panose="020F0502020204030204" pitchFamily="34" charset="0"/>
+                <a:cs typeface="Arial" panose="020B0604020202020204" pitchFamily="34" charset="0"/>
+              </a:rPr>
+              <a:t>log transformed</a:t>
+            </a:r>
+            <a:r>
+              <a:rPr lang="en-US" sz="1400" dirty="0">
+                <a:latin typeface="Calibri" panose="020F0502020204030204" pitchFamily="34" charset="0"/>
+                <a:ea typeface="Calibri" panose="020F0502020204030204" pitchFamily="34" charset="0"/>
+                <a:cs typeface="Arial" panose="020B0604020202020204" pitchFamily="34" charset="0"/>
+              </a:rPr>
+              <a:t> data.    </a:t>
+            </a:r>
+            <a:endParaRPr lang="en-US" sz="1400" dirty="0">
+              <a:latin typeface="Calibri" panose="020F0502020204030204" pitchFamily="34" charset="0"/>
+              <a:ea typeface="Calibri" panose="020F0502020204030204" pitchFamily="34" charset="0"/>
+              <a:cs typeface="Times New Roman" panose="02020603050405020304" pitchFamily="18" charset="0"/>
+            </a:endParaRPr>
+          </a:p>
+          <a:p>
+            <a:pPr marL="342900" marR="0" lvl="0" indent="-342900">
+              <a:lnSpc>
+                <a:spcPct val="115000"/>
+              </a:lnSpc>
+              <a:spcBef>
+                <a:spcPts val="0"/>
+              </a:spcBef>
+              <a:spcAft>
+                <a:spcPts val="0"/>
+              </a:spcAft>
+              <a:buFont typeface="+mj-lt"/>
+              <a:buAutoNum type="arabicPeriod"/>
+            </a:pPr>
+            <a:r>
+              <a:rPr lang="en-US" sz="1400" dirty="0">
+                <a:latin typeface="Calibri" panose="020F0502020204030204" pitchFamily="34" charset="0"/>
+                <a:ea typeface="Calibri" panose="020F0502020204030204" pitchFamily="34" charset="0"/>
+                <a:cs typeface="Arial" panose="020B0604020202020204" pitchFamily="34" charset="0"/>
+              </a:rPr>
+              <a:t>State the Problem.</a:t>
+            </a:r>
+            <a:endParaRPr lang="en-US" sz="1400" dirty="0">
+              <a:latin typeface="Calibri" panose="020F0502020204030204" pitchFamily="34" charset="0"/>
+              <a:ea typeface="Calibri" panose="020F0502020204030204" pitchFamily="34" charset="0"/>
+              <a:cs typeface="Times New Roman" panose="02020603050405020304" pitchFamily="18" charset="0"/>
+            </a:endParaRPr>
+          </a:p>
+          <a:p>
+            <a:pPr marL="342900" marR="0" lvl="0" indent="-342900">
+              <a:lnSpc>
+                <a:spcPct val="115000"/>
+              </a:lnSpc>
+              <a:spcBef>
+                <a:spcPts val="0"/>
+              </a:spcBef>
+              <a:spcAft>
+                <a:spcPts val="0"/>
+              </a:spcAft>
+              <a:buFont typeface="+mj-lt"/>
+              <a:buAutoNum type="arabicPeriod"/>
+            </a:pPr>
+            <a:r>
+              <a:rPr lang="en-US" sz="1400" dirty="0">
+                <a:latin typeface="Calibri" panose="020F0502020204030204" pitchFamily="34" charset="0"/>
+                <a:ea typeface="Calibri" panose="020F0502020204030204" pitchFamily="34" charset="0"/>
+                <a:cs typeface="Arial" panose="020B0604020202020204" pitchFamily="34" charset="0"/>
+              </a:rPr>
+              <a:t>Address the assumptions.  Comment on each assumption.  (Use the visual test, as the Brown-Forsythe test will be overpowered due to the large sample size.  This simply means that it is able to detect very small effect sizes—here, differences in standard deviations—which may not be big enough to practically affect the test.)  Comment on your thoughts of the assumptions, but, in the end, assume there is not enough visual evidence to suggest the standard deviations of the log transformed data are different.  </a:t>
+            </a:r>
+            <a:endParaRPr lang="en-US" sz="1400" dirty="0">
+              <a:latin typeface="Calibri" panose="020F0502020204030204" pitchFamily="34" charset="0"/>
+              <a:ea typeface="Calibri" panose="020F0502020204030204" pitchFamily="34" charset="0"/>
+              <a:cs typeface="Times New Roman" panose="02020603050405020304" pitchFamily="18" charset="0"/>
+            </a:endParaRPr>
+          </a:p>
+          <a:p>
+            <a:pPr marL="342900" marR="0" lvl="0" indent="-342900">
+              <a:lnSpc>
+                <a:spcPct val="115000"/>
+              </a:lnSpc>
+              <a:spcBef>
+                <a:spcPts val="0"/>
+              </a:spcBef>
+              <a:spcAft>
+                <a:spcPts val="0"/>
+              </a:spcAft>
+              <a:buFont typeface="+mj-lt"/>
+              <a:buAutoNum type="arabicPeriod"/>
+            </a:pPr>
+            <a:r>
+              <a:rPr lang="en-US" sz="1400" dirty="0">
+                <a:latin typeface="Calibri" panose="020F0502020204030204" pitchFamily="34" charset="0"/>
+                <a:ea typeface="Calibri" panose="020F0502020204030204" pitchFamily="34" charset="0"/>
+                <a:cs typeface="Arial" panose="020B0604020202020204" pitchFamily="34" charset="0"/>
+              </a:rPr>
+              <a:t>Conduct the Test. (An example is in the UNIT 5 PowerPoint.) </a:t>
+            </a:r>
+            <a:endParaRPr lang="en-US" sz="1400" dirty="0">
+              <a:latin typeface="Calibri" panose="020F0502020204030204" pitchFamily="34" charset="0"/>
+              <a:ea typeface="Calibri" panose="020F0502020204030204" pitchFamily="34" charset="0"/>
+              <a:cs typeface="Times New Roman" panose="02020603050405020304" pitchFamily="18" charset="0"/>
+            </a:endParaRPr>
+          </a:p>
+          <a:p>
+            <a:pPr marL="342900" marR="0" lvl="0" indent="-342900">
+              <a:lnSpc>
+                <a:spcPct val="115000"/>
+              </a:lnSpc>
+              <a:spcBef>
+                <a:spcPts val="0"/>
+              </a:spcBef>
+              <a:spcAft>
+                <a:spcPts val="0"/>
+              </a:spcAft>
+              <a:buFont typeface="+mj-lt"/>
+              <a:buAutoNum type="arabicPeriod"/>
+            </a:pPr>
+            <a:r>
+              <a:rPr lang="en-US" sz="1400" dirty="0">
+                <a:latin typeface="Calibri" panose="020F0502020204030204" pitchFamily="34" charset="0"/>
+                <a:ea typeface="Calibri" panose="020F0502020204030204" pitchFamily="34" charset="0"/>
+                <a:cs typeface="Arial" panose="020B0604020202020204" pitchFamily="34" charset="0"/>
+              </a:rPr>
+              <a:t>Write a conclusion. (An example is in the UNIT 5 PowerPoint.)</a:t>
+            </a:r>
+            <a:endParaRPr lang="en-US" sz="1400" dirty="0">
+              <a:latin typeface="Calibri" panose="020F0502020204030204" pitchFamily="34" charset="0"/>
+              <a:ea typeface="Calibri" panose="020F0502020204030204" pitchFamily="34" charset="0"/>
+              <a:cs typeface="Times New Roman" panose="02020603050405020304" pitchFamily="18" charset="0"/>
+            </a:endParaRPr>
+          </a:p>
+          <a:p>
+            <a:pPr marL="342900" marR="0" lvl="0" indent="-342900">
+              <a:lnSpc>
+                <a:spcPct val="115000"/>
+              </a:lnSpc>
+              <a:spcBef>
+                <a:spcPts val="0"/>
+              </a:spcBef>
+              <a:spcAft>
+                <a:spcPts val="1000"/>
+              </a:spcAft>
+              <a:buFont typeface="+mj-lt"/>
+              <a:buAutoNum type="arabicPeriod"/>
+            </a:pPr>
+            <a:r>
+              <a:rPr lang="en-US" sz="1400" dirty="0">
+                <a:latin typeface="Calibri" panose="020F0502020204030204" pitchFamily="34" charset="0"/>
+                <a:ea typeface="Calibri" panose="020F0502020204030204" pitchFamily="34" charset="0"/>
+                <a:cs typeface="Arial" panose="020B0604020202020204" pitchFamily="34" charset="0"/>
+              </a:rPr>
+              <a:t>State the Scope. (Can we generalize to the entire population or just the sample that was taken?  Is there a causal relationship present?)</a:t>
+            </a:r>
+            <a:endParaRPr lang="en-US" sz="1400" dirty="0">
+              <a:latin typeface="Calibri" panose="020F0502020204030204" pitchFamily="34" charset="0"/>
+              <a:ea typeface="Calibri" panose="020F0502020204030204" pitchFamily="34" charset="0"/>
+              <a:cs typeface="Times New Roman" panose="02020603050405020304" pitchFamily="18" charset="0"/>
+            </a:endParaRPr>
+          </a:p>
+          <a:p>
+            <a:pPr>
+              <a:lnSpc>
+                <a:spcPct val="115000"/>
+              </a:lnSpc>
+              <a:spcAft>
+                <a:spcPts val="1000"/>
+              </a:spcAft>
+            </a:pPr>
+            <a:r>
+              <a:rPr lang="en-US" sz="1400" dirty="0">
+                <a:latin typeface="Calibri" panose="020F0502020204030204" pitchFamily="34" charset="0"/>
+                <a:ea typeface="Calibri" panose="020F0502020204030204" pitchFamily="34" charset="0"/>
+                <a:cs typeface="Arial" panose="020B0604020202020204" pitchFamily="34" charset="0"/>
+              </a:rPr>
+              <a:t>ADDITIONAL THINGS TO INCLUDE (for the logged data):</a:t>
+            </a:r>
+            <a:endParaRPr lang="en-US" sz="1400" dirty="0">
+              <a:latin typeface="Calibri" panose="020F0502020204030204" pitchFamily="34" charset="0"/>
+              <a:ea typeface="Calibri" panose="020F0502020204030204" pitchFamily="34" charset="0"/>
+              <a:cs typeface="Times New Roman" panose="02020603050405020304" pitchFamily="18" charset="0"/>
+            </a:endParaRPr>
+          </a:p>
+          <a:p>
+            <a:pPr marL="342900" marR="0" lvl="0" indent="-342900">
+              <a:lnSpc>
+                <a:spcPct val="115000"/>
+              </a:lnSpc>
+              <a:spcBef>
+                <a:spcPts val="0"/>
+              </a:spcBef>
+              <a:spcAft>
+                <a:spcPts val="0"/>
+              </a:spcAft>
+              <a:buFont typeface="+mj-lt"/>
+              <a:buAutoNum type="alphaLcPeriod"/>
+            </a:pPr>
+            <a:r>
+              <a:rPr lang="en-US" sz="1400" dirty="0">
+                <a:latin typeface="Calibri" panose="020F0502020204030204" pitchFamily="34" charset="0"/>
+                <a:ea typeface="Calibri" panose="020F0502020204030204" pitchFamily="34" charset="0"/>
+                <a:cs typeface="Arial" panose="020B0604020202020204" pitchFamily="34" charset="0"/>
+              </a:rPr>
+              <a:t>Please also identify R</a:t>
+            </a:r>
+            <a:r>
+              <a:rPr lang="en-US" sz="1400" baseline="30000" dirty="0">
+                <a:latin typeface="Calibri" panose="020F0502020204030204" pitchFamily="34" charset="0"/>
+                <a:ea typeface="Calibri" panose="020F0502020204030204" pitchFamily="34" charset="0"/>
+                <a:cs typeface="Arial" panose="020B0604020202020204" pitchFamily="34" charset="0"/>
+              </a:rPr>
+              <a:t>2</a:t>
+            </a:r>
+            <a:endParaRPr lang="en-US" sz="1400" dirty="0">
+              <a:latin typeface="Calibri" panose="020F0502020204030204" pitchFamily="34" charset="0"/>
+              <a:ea typeface="Calibri" panose="020F0502020204030204" pitchFamily="34" charset="0"/>
+              <a:cs typeface="Times New Roman" panose="02020603050405020304" pitchFamily="18" charset="0"/>
+            </a:endParaRPr>
+          </a:p>
+          <a:p>
+            <a:pPr marL="342900" marR="0" lvl="0" indent="-342900">
+              <a:lnSpc>
+                <a:spcPct val="115000"/>
+              </a:lnSpc>
+              <a:spcBef>
+                <a:spcPts val="0"/>
+              </a:spcBef>
+              <a:spcAft>
+                <a:spcPts val="0"/>
+              </a:spcAft>
+              <a:buFont typeface="+mj-lt"/>
+              <a:buAutoNum type="alphaLcPeriod"/>
+            </a:pPr>
+            <a:r>
+              <a:rPr lang="en-US" sz="1400" dirty="0">
+                <a:latin typeface="Calibri" panose="020F0502020204030204" pitchFamily="34" charset="0"/>
+                <a:ea typeface="Calibri" panose="020F0502020204030204" pitchFamily="34" charset="0"/>
+                <a:cs typeface="Arial" panose="020B0604020202020204" pitchFamily="34" charset="0"/>
+              </a:rPr>
+              <a:t>Also specify the mean square error and how many degrees of freedom were used to estimate it.  </a:t>
+            </a:r>
+            <a:endParaRPr lang="en-US" sz="1400" dirty="0">
+              <a:latin typeface="Calibri" panose="020F0502020204030204" pitchFamily="34" charset="0"/>
+              <a:ea typeface="Calibri" panose="020F0502020204030204" pitchFamily="34" charset="0"/>
+              <a:cs typeface="Times New Roman" panose="02020603050405020304" pitchFamily="18" charset="0"/>
+            </a:endParaRPr>
+          </a:p>
+          <a:p>
+            <a:pPr marL="342900" marR="0" lvl="0" indent="-342900">
+              <a:lnSpc>
+                <a:spcPct val="115000"/>
+              </a:lnSpc>
+              <a:spcBef>
+                <a:spcPts val="0"/>
+              </a:spcBef>
+              <a:spcAft>
+                <a:spcPts val="1000"/>
+              </a:spcAft>
+              <a:buFont typeface="+mj-lt"/>
+              <a:buAutoNum type="alphaLcPeriod"/>
+            </a:pPr>
+            <a:r>
+              <a:rPr lang="en-US" sz="1400" dirty="0">
+                <a:latin typeface="Calibri" panose="020F0502020204030204" pitchFamily="34" charset="0"/>
+                <a:ea typeface="Calibri" panose="020F0502020204030204" pitchFamily="34" charset="0"/>
+                <a:cs typeface="Arial" panose="020B0604020202020204" pitchFamily="34" charset="0"/>
+              </a:rPr>
+              <a:t>Provide the code to perform the ANOVA in R and a screen shot of the output.  </a:t>
+            </a:r>
+            <a:endParaRPr lang="en-US" sz="1400" dirty="0">
+              <a:latin typeface="Calibri" panose="020F0502020204030204" pitchFamily="34" charset="0"/>
+              <a:ea typeface="Calibri" panose="020F0502020204030204" pitchFamily="34" charset="0"/>
+              <a:cs typeface="Times New Roman" panose="02020603050405020304" pitchFamily="18" charset="0"/>
+            </a:endParaRPr>
+          </a:p>
+        </p:txBody>
+      </p:sp>
+    </p:spTree>
+    <p:extLst>
+      <p:ext uri="{BB962C8B-B14F-4D97-AF65-F5344CB8AC3E}">
+        <p14:creationId xmlns:p14="http://schemas.microsoft.com/office/powerpoint/2010/main" val="84534023"/>
+      </p:ext>
+    </p:extLst>
+  </p:cSld>
+  <p:clrMapOvr>
+    <a:masterClrMapping/>
+  </p:clrMapOvr>
+</p:sld>
+</file>
+
+<file path=ppt/slides/slide15.xml><?xml version="1.0" encoding="utf-8"?>
+<p:sld xmlns:a="http://schemas.openxmlformats.org/drawingml/2006/main" xmlns:r="http://schemas.openxmlformats.org/officeDocument/2006/relationships" xmlns:p="http://schemas.openxmlformats.org/presentationml/2006/main">
+  <p:cSld>
+    <p:spTree>
+      <p:nvGrpSpPr>
+        <p:cNvPr id="1" name=""/>
+        <p:cNvGrpSpPr/>
+        <p:nvPr/>
+      </p:nvGrpSpPr>
+      <p:grpSpPr>
+        <a:xfrm>
+          <a:off x="0" y="0"/>
+          <a:ext cx="0" cy="0"/>
+          <a:chOff x="0" y="0"/>
+          <a:chExt cx="0" cy="0"/>
+        </a:xfrm>
+      </p:grpSpPr>
+      <p:sp>
+        <p:nvSpPr>
+          <p:cNvPr id="2" name="Title 1">
+            <a:extLst>
+              <a:ext uri="{FF2B5EF4-FFF2-40B4-BE49-F238E27FC236}">
+                <a16:creationId xmlns:a16="http://schemas.microsoft.com/office/drawing/2014/main" id="{DD0B36CF-AB19-A255-5BFB-A9CD46DC7B8F}"/>
+              </a:ext>
+            </a:extLst>
+          </p:cNvPr>
+          <p:cNvSpPr>
+            <a:spLocks noGrp="1"/>
+          </p:cNvSpPr>
+          <p:nvPr>
+            <p:ph type="title"/>
+          </p:nvPr>
+        </p:nvSpPr>
+        <p:spPr/>
+        <p:txBody>
+          <a:bodyPr/>
+          <a:lstStyle/>
+          <a:p>
+            <a:endParaRPr lang="en-US"/>
+          </a:p>
+        </p:txBody>
+      </p:sp>
+      <p:sp>
+        <p:nvSpPr>
+          <p:cNvPr id="3" name="Content Placeholder 2">
+            <a:extLst>
+              <a:ext uri="{FF2B5EF4-FFF2-40B4-BE49-F238E27FC236}">
+                <a16:creationId xmlns:a16="http://schemas.microsoft.com/office/drawing/2014/main" id="{EE56BAB7-1640-D3D5-326B-DC643EFA749F}"/>
+              </a:ext>
+            </a:extLst>
+          </p:cNvPr>
+          <p:cNvSpPr>
+            <a:spLocks noGrp="1"/>
+          </p:cNvSpPr>
+          <p:nvPr>
+            <p:ph idx="1"/>
+          </p:nvPr>
+        </p:nvSpPr>
+        <p:spPr/>
+        <p:txBody>
+          <a:bodyPr/>
+          <a:lstStyle/>
+          <a:p>
+            <a:endParaRPr lang="en-US"/>
+          </a:p>
+        </p:txBody>
+      </p:sp>
+    </p:spTree>
+    <p:extLst>
+      <p:ext uri="{BB962C8B-B14F-4D97-AF65-F5344CB8AC3E}">
+        <p14:creationId xmlns:p14="http://schemas.microsoft.com/office/powerpoint/2010/main" val="3861587881"/>
+      </p:ext>
+    </p:extLst>
+  </p:cSld>
+  <p:clrMapOvr>
+    <a:masterClrMapping/>
+  </p:clrMapOvr>
+</p:sld>
+</file>
+
+<file path=ppt/slides/slide16.xml><?xml version="1.0" encoding="utf-8"?>
+<p:sld xmlns:a="http://schemas.openxmlformats.org/drawingml/2006/main" xmlns:r="http://schemas.openxmlformats.org/officeDocument/2006/relationships" xmlns:p="http://schemas.openxmlformats.org/presentationml/2006/main">
+  <p:cSld>
+    <p:spTree>
+      <p:nvGrpSpPr>
+        <p:cNvPr id="1" name=""/>
+        <p:cNvGrpSpPr/>
+        <p:nvPr/>
+      </p:nvGrpSpPr>
+      <p:grpSpPr>
+        <a:xfrm>
+          <a:off x="0" y="0"/>
+          <a:ext cx="0" cy="0"/>
+          <a:chOff x="0" y="0"/>
+          <a:chExt cx="0" cy="0"/>
+        </a:xfrm>
+      </p:grpSpPr>
+      <p:sp>
+        <p:nvSpPr>
+          <p:cNvPr id="2" name="Title 1"/>
+          <p:cNvSpPr>
+            <a:spLocks noGrp="1"/>
+          </p:cNvSpPr>
+          <p:nvPr>
+            <p:ph type="title"/>
+          </p:nvPr>
+        </p:nvSpPr>
+        <p:spPr>
+          <a:xfrm>
+            <a:off x="1781783" y="3429001"/>
+            <a:ext cx="8628434" cy="1450757"/>
+          </a:xfrm>
+        </p:spPr>
+        <p:txBody>
+          <a:bodyPr/>
+          <a:lstStyle/>
+          <a:p>
+            <a:pPr algn="ctr"/>
+            <a:r>
+              <a:rPr lang="en-US" dirty="0"/>
+              <a:t>End Question 3</a:t>
+            </a:r>
+            <a:br>
+              <a:rPr lang="en-US" dirty="0"/>
+            </a:br>
+            <a:br>
+              <a:rPr lang="en-US" dirty="0"/>
+            </a:br>
+            <a:br>
+              <a:rPr lang="en-US" dirty="0"/>
+            </a:br>
+            <a:endParaRPr lang="en-US" dirty="0"/>
+          </a:p>
+        </p:txBody>
+      </p:sp>
+      <p:sp>
+        <p:nvSpPr>
+          <p:cNvPr id="4" name="Slide Number Placeholder 3"/>
+          <p:cNvSpPr>
+            <a:spLocks noGrp="1"/>
+          </p:cNvSpPr>
+          <p:nvPr>
+            <p:ph type="sldNum" sz="quarter" idx="12"/>
+          </p:nvPr>
+        </p:nvSpPr>
+        <p:spPr>
+          <a:xfrm>
+            <a:off x="7425345" y="6459789"/>
+            <a:ext cx="984019" cy="365125"/>
+          </a:xfrm>
+          <a:prstGeom prst="rect">
+            <a:avLst/>
+          </a:prstGeom>
+        </p:spPr>
+        <p:txBody>
+          <a:bodyPr vert="horz" lIns="91440" tIns="45720" rIns="91440" bIns="45720" rtlCol="0" anchor="ctr"/>
+          <a:lstStyle>
+            <a:defPPr>
+              <a:defRPr lang="en-US"/>
+            </a:defPPr>
+            <a:lvl1pPr marL="0" algn="r" defTabSz="914400" rtl="0" eaLnBrk="1" latinLnBrk="0" hangingPunct="1">
+              <a:defRPr sz="1050" kern="1200">
+                <a:solidFill>
+                  <a:srgbClr val="FFFFFF"/>
+                </a:solidFill>
+                <a:latin typeface="+mn-lt"/>
+                <a:ea typeface="+mn-ea"/>
+                <a:cs typeface="+mn-cs"/>
+              </a:defRPr>
+            </a:lvl1pPr>
+            <a:lvl2pPr marL="457200" algn="l" defTabSz="914400" rtl="0" eaLnBrk="1" latinLnBrk="0" hangingPunct="1">
+              <a:defRPr sz="1800" kern="1200">
+                <a:solidFill>
+                  <a:schemeClr val="tx1"/>
+                </a:solidFill>
+                <a:latin typeface="+mn-lt"/>
+                <a:ea typeface="+mn-ea"/>
+                <a:cs typeface="+mn-cs"/>
+              </a:defRPr>
+            </a:lvl2pPr>
+            <a:lvl3pPr marL="914400" algn="l" defTabSz="914400" rtl="0" eaLnBrk="1" latinLnBrk="0" hangingPunct="1">
+              <a:defRPr sz="1800" kern="1200">
+                <a:solidFill>
+                  <a:schemeClr val="tx1"/>
+                </a:solidFill>
+                <a:latin typeface="+mn-lt"/>
+                <a:ea typeface="+mn-ea"/>
+                <a:cs typeface="+mn-cs"/>
+              </a:defRPr>
+            </a:lvl3pPr>
+            <a:lvl4pPr marL="1371600" algn="l" defTabSz="914400" rtl="0" eaLnBrk="1" latinLnBrk="0" hangingPunct="1">
+              <a:defRPr sz="1800" kern="1200">
+                <a:solidFill>
+                  <a:schemeClr val="tx1"/>
+                </a:solidFill>
+                <a:latin typeface="+mn-lt"/>
+                <a:ea typeface="+mn-ea"/>
+                <a:cs typeface="+mn-cs"/>
+              </a:defRPr>
+            </a:lvl4pPr>
+            <a:lvl5pPr marL="1828800" algn="l" defTabSz="914400" rtl="0" eaLnBrk="1" latinLnBrk="0" hangingPunct="1">
+              <a:defRPr sz="1800" kern="1200">
+                <a:solidFill>
+                  <a:schemeClr val="tx1"/>
+                </a:solidFill>
+                <a:latin typeface="+mn-lt"/>
+                <a:ea typeface="+mn-ea"/>
+                <a:cs typeface="+mn-cs"/>
+              </a:defRPr>
+            </a:lvl5pPr>
+            <a:lvl6pPr marL="2286000" algn="l" defTabSz="914400" rtl="0" eaLnBrk="1" latinLnBrk="0" hangingPunct="1">
+              <a:defRPr sz="1800" kern="1200">
+                <a:solidFill>
+                  <a:schemeClr val="tx1"/>
+                </a:solidFill>
+                <a:latin typeface="+mn-lt"/>
+                <a:ea typeface="+mn-ea"/>
+                <a:cs typeface="+mn-cs"/>
+              </a:defRPr>
+            </a:lvl6pPr>
+            <a:lvl7pPr marL="2743200" algn="l" defTabSz="914400" rtl="0" eaLnBrk="1" latinLnBrk="0" hangingPunct="1">
+              <a:defRPr sz="1800" kern="1200">
+                <a:solidFill>
+                  <a:schemeClr val="tx1"/>
+                </a:solidFill>
+                <a:latin typeface="+mn-lt"/>
+                <a:ea typeface="+mn-ea"/>
+                <a:cs typeface="+mn-cs"/>
+              </a:defRPr>
+            </a:lvl7pPr>
+            <a:lvl8pPr marL="3200400" algn="l" defTabSz="914400" rtl="0" eaLnBrk="1" latinLnBrk="0" hangingPunct="1">
+              <a:defRPr sz="1800" kern="1200">
+                <a:solidFill>
+                  <a:schemeClr val="tx1"/>
+                </a:solidFill>
+                <a:latin typeface="+mn-lt"/>
+                <a:ea typeface="+mn-ea"/>
+                <a:cs typeface="+mn-cs"/>
+              </a:defRPr>
+            </a:lvl8pPr>
+            <a:lvl9pPr marL="3657600" algn="l" defTabSz="914400" rtl="0" eaLnBrk="1" latinLnBrk="0" hangingPunct="1">
+              <a:defRPr sz="1800" kern="1200">
+                <a:solidFill>
+                  <a:schemeClr val="tx1"/>
+                </a:solidFill>
+                <a:latin typeface="+mn-lt"/>
+                <a:ea typeface="+mn-ea"/>
+                <a:cs typeface="+mn-cs"/>
+              </a:defRPr>
+            </a:lvl9pPr>
+          </a:lstStyle>
+          <a:p>
+            <a:pPr>
+              <a:defRPr/>
+            </a:pPr>
+            <a:fld id="{85BC5B7D-D6B0-4550-9BAF-D21F2647AC79}" type="slidenum">
+              <a:rPr lang="en-US" altLang="en-US" smtClean="0"/>
+              <a:pPr>
+                <a:defRPr/>
+              </a:pPr>
+              <a:t>16</a:t>
             </a:fld>
             <a:endParaRPr lang="en-US" altLang="en-US" dirty="0"/>
           </a:p>
@@ -3272,7 +3997,7 @@
 </p:sld>
 </file>
 
-<file path=ppt/slides/slide12.xml><?xml version="1.0" encoding="utf-8"?>
+<file path=ppt/slides/slide17.xml><?xml version="1.0" encoding="utf-8"?>
 <p:sld xmlns:a="http://schemas.openxmlformats.org/drawingml/2006/main" xmlns:r="http://schemas.openxmlformats.org/officeDocument/2006/relationships" xmlns:p="http://schemas.openxmlformats.org/presentationml/2006/main">
   <p:cSld>
     <p:spTree>
@@ -3401,7 +4126,7 @@
 </p:sld>
 </file>
 
-<file path=ppt/slides/slide13.xml><?xml version="1.0" encoding="utf-8"?>
+<file path=ppt/slides/slide18.xml><?xml version="1.0" encoding="utf-8"?>
 <p:sld xmlns:a="http://schemas.openxmlformats.org/drawingml/2006/main" xmlns:r="http://schemas.openxmlformats.org/officeDocument/2006/relationships" xmlns:p="http://schemas.openxmlformats.org/presentationml/2006/main">
   <p:cSld>
     <p:spTree>
@@ -3530,7 +4255,7 @@
 </p:sld>
 </file>
 
-<file path=ppt/slides/slide14.xml><?xml version="1.0" encoding="utf-8"?>
+<file path=ppt/slides/slide19.xml><?xml version="1.0" encoding="utf-8"?>
 <p:sld xmlns:a="http://schemas.openxmlformats.org/drawingml/2006/main" xmlns:r="http://schemas.openxmlformats.org/officeDocument/2006/relationships" xmlns:p="http://schemas.openxmlformats.org/presentationml/2006/main">
   <p:cSld>
     <p:spTree>
@@ -3619,212 +4344,6 @@
     <p:extLst>
       <p:ext uri="{BB962C8B-B14F-4D97-AF65-F5344CB8AC3E}">
         <p14:creationId xmlns:p14="http://schemas.microsoft.com/office/powerpoint/2010/main" val="831829295"/>
-      </p:ext>
-    </p:extLst>
-  </p:cSld>
-  <p:clrMapOvr>
-    <a:masterClrMapping/>
-  </p:clrMapOvr>
-</p:sld>
-</file>
-
-<file path=ppt/slides/slide15.xml><?xml version="1.0" encoding="utf-8"?>
-<p:sld xmlns:a="http://schemas.openxmlformats.org/drawingml/2006/main" xmlns:r="http://schemas.openxmlformats.org/officeDocument/2006/relationships" xmlns:p="http://schemas.openxmlformats.org/presentationml/2006/main">
-  <p:cSld>
-    <p:spTree>
-      <p:nvGrpSpPr>
-        <p:cNvPr id="1" name=""/>
-        <p:cNvGrpSpPr/>
-        <p:nvPr/>
-      </p:nvGrpSpPr>
-      <p:grpSpPr>
-        <a:xfrm>
-          <a:off x="0" y="0"/>
-          <a:ext cx="0" cy="0"/>
-          <a:chOff x="0" y="0"/>
-          <a:chExt cx="0" cy="0"/>
-        </a:xfrm>
-      </p:grpSpPr>
-      <p:sp>
-        <p:nvSpPr>
-          <p:cNvPr id="2" name="Title 1">
-            <a:extLst>
-              <a:ext uri="{FF2B5EF4-FFF2-40B4-BE49-F238E27FC236}">
-                <a16:creationId xmlns:a16="http://schemas.microsoft.com/office/drawing/2014/main" id="{D1B1C948-A4A3-5946-B047-076635D43652}"/>
-              </a:ext>
-            </a:extLst>
-          </p:cNvPr>
-          <p:cNvSpPr>
-            <a:spLocks noGrp="1"/>
-          </p:cNvSpPr>
-          <p:nvPr>
-            <p:ph type="title"/>
-          </p:nvPr>
-        </p:nvSpPr>
-        <p:spPr>
-          <a:xfrm>
-            <a:off x="1695450" y="2819400"/>
-            <a:ext cx="8801100" cy="1450757"/>
-          </a:xfrm>
-        </p:spPr>
-        <p:txBody>
-          <a:bodyPr/>
-          <a:lstStyle/>
-          <a:p>
-            <a:pPr algn="ctr"/>
-            <a:r>
-              <a:rPr lang="en-US" dirty="0"/>
-              <a:t>End For Live Session Assignment </a:t>
-            </a:r>
-            <a:r>
-              <a:rPr lang="en-US"/>
-              <a:t>Unit 6!</a:t>
-            </a:r>
-            <a:endParaRPr lang="en-US" dirty="0"/>
-          </a:p>
-        </p:txBody>
-      </p:sp>
-      <p:sp>
-        <p:nvSpPr>
-          <p:cNvPr id="4" name="Slide Number Placeholder 3">
-            <a:extLst>
-              <a:ext uri="{FF2B5EF4-FFF2-40B4-BE49-F238E27FC236}">
-                <a16:creationId xmlns:a16="http://schemas.microsoft.com/office/drawing/2014/main" id="{C89C5DF8-9726-8A40-B8E3-D578C82B8DDF}"/>
-              </a:ext>
-            </a:extLst>
-          </p:cNvPr>
-          <p:cNvSpPr>
-            <a:spLocks noGrp="1"/>
-          </p:cNvSpPr>
-          <p:nvPr>
-            <p:ph type="sldNum" sz="quarter" idx="12"/>
-          </p:nvPr>
-        </p:nvSpPr>
-        <p:spPr>
-          <a:xfrm>
-            <a:off x="7425345" y="6459789"/>
-            <a:ext cx="984019" cy="365125"/>
-          </a:xfrm>
-          <a:prstGeom prst="rect">
-            <a:avLst/>
-          </a:prstGeom>
-        </p:spPr>
-        <p:txBody>
-          <a:bodyPr vert="horz" lIns="91440" tIns="45720" rIns="91440" bIns="45720" rtlCol="0" anchor="ctr"/>
-          <a:lstStyle>
-            <a:defPPr>
-              <a:defRPr lang="en-US"/>
-            </a:defPPr>
-            <a:lvl1pPr marL="0" algn="r" defTabSz="914400" rtl="0" eaLnBrk="1" latinLnBrk="0" hangingPunct="1">
-              <a:defRPr sz="1050" kern="1200">
-                <a:solidFill>
-                  <a:srgbClr val="FFFFFF"/>
-                </a:solidFill>
-                <a:latin typeface="+mn-lt"/>
-                <a:ea typeface="+mn-ea"/>
-                <a:cs typeface="+mn-cs"/>
-              </a:defRPr>
-            </a:lvl1pPr>
-            <a:lvl2pPr marL="457200" algn="l" defTabSz="914400" rtl="0" eaLnBrk="1" latinLnBrk="0" hangingPunct="1">
-              <a:defRPr sz="1800" kern="1200">
-                <a:solidFill>
-                  <a:schemeClr val="tx1"/>
-                </a:solidFill>
-                <a:latin typeface="+mn-lt"/>
-                <a:ea typeface="+mn-ea"/>
-                <a:cs typeface="+mn-cs"/>
-              </a:defRPr>
-            </a:lvl2pPr>
-            <a:lvl3pPr marL="914400" algn="l" defTabSz="914400" rtl="0" eaLnBrk="1" latinLnBrk="0" hangingPunct="1">
-              <a:defRPr sz="1800" kern="1200">
-                <a:solidFill>
-                  <a:schemeClr val="tx1"/>
-                </a:solidFill>
-                <a:latin typeface="+mn-lt"/>
-                <a:ea typeface="+mn-ea"/>
-                <a:cs typeface="+mn-cs"/>
-              </a:defRPr>
-            </a:lvl3pPr>
-            <a:lvl4pPr marL="1371600" algn="l" defTabSz="914400" rtl="0" eaLnBrk="1" latinLnBrk="0" hangingPunct="1">
-              <a:defRPr sz="1800" kern="1200">
-                <a:solidFill>
-                  <a:schemeClr val="tx1"/>
-                </a:solidFill>
-                <a:latin typeface="+mn-lt"/>
-                <a:ea typeface="+mn-ea"/>
-                <a:cs typeface="+mn-cs"/>
-              </a:defRPr>
-            </a:lvl4pPr>
-            <a:lvl5pPr marL="1828800" algn="l" defTabSz="914400" rtl="0" eaLnBrk="1" latinLnBrk="0" hangingPunct="1">
-              <a:defRPr sz="1800" kern="1200">
-                <a:solidFill>
-                  <a:schemeClr val="tx1"/>
-                </a:solidFill>
-                <a:latin typeface="+mn-lt"/>
-                <a:ea typeface="+mn-ea"/>
-                <a:cs typeface="+mn-cs"/>
-              </a:defRPr>
-            </a:lvl5pPr>
-            <a:lvl6pPr marL="2286000" algn="l" defTabSz="914400" rtl="0" eaLnBrk="1" latinLnBrk="0" hangingPunct="1">
-              <a:defRPr sz="1800" kern="1200">
-                <a:solidFill>
-                  <a:schemeClr val="tx1"/>
-                </a:solidFill>
-                <a:latin typeface="+mn-lt"/>
-                <a:ea typeface="+mn-ea"/>
-                <a:cs typeface="+mn-cs"/>
-              </a:defRPr>
-            </a:lvl6pPr>
-            <a:lvl7pPr marL="2743200" algn="l" defTabSz="914400" rtl="0" eaLnBrk="1" latinLnBrk="0" hangingPunct="1">
-              <a:defRPr sz="1800" kern="1200">
-                <a:solidFill>
-                  <a:schemeClr val="tx1"/>
-                </a:solidFill>
-                <a:latin typeface="+mn-lt"/>
-                <a:ea typeface="+mn-ea"/>
-                <a:cs typeface="+mn-cs"/>
-              </a:defRPr>
-            </a:lvl7pPr>
-            <a:lvl8pPr marL="3200400" algn="l" defTabSz="914400" rtl="0" eaLnBrk="1" latinLnBrk="0" hangingPunct="1">
-              <a:defRPr sz="1800" kern="1200">
-                <a:solidFill>
-                  <a:schemeClr val="tx1"/>
-                </a:solidFill>
-                <a:latin typeface="+mn-lt"/>
-                <a:ea typeface="+mn-ea"/>
-                <a:cs typeface="+mn-cs"/>
-              </a:defRPr>
-            </a:lvl8pPr>
-            <a:lvl9pPr marL="3657600" algn="l" defTabSz="914400" rtl="0" eaLnBrk="1" latinLnBrk="0" hangingPunct="1">
-              <a:defRPr sz="1800" kern="1200">
-                <a:solidFill>
-                  <a:schemeClr val="tx1"/>
-                </a:solidFill>
-                <a:latin typeface="+mn-lt"/>
-                <a:ea typeface="+mn-ea"/>
-                <a:cs typeface="+mn-cs"/>
-              </a:defRPr>
-            </a:lvl9pPr>
-          </a:lstStyle>
-          <a:p>
-            <a:pPr>
-              <a:defRPr/>
-            </a:pPr>
-            <a:fld id="{85BC5B7D-D6B0-4550-9BAF-D21F2647AC79}" type="slidenum">
-              <a:rPr lang="en-US" altLang="en-US" smtClean="0"/>
-              <a:pPr>
-                <a:defRPr/>
-              </a:pPr>
-              <a:t>15</a:t>
-            </a:fld>
-            <a:endParaRPr lang="en-US" altLang="en-US" dirty="0"/>
-          </a:p>
-        </p:txBody>
-      </p:sp>
-    </p:spTree>
-    <p:extLst>
-      <p:ext uri="{BB962C8B-B14F-4D97-AF65-F5344CB8AC3E}">
-        <p14:creationId xmlns:p14="http://schemas.microsoft.com/office/powerpoint/2010/main" val="2935390525"/>
       </p:ext>
     </p:extLst>
   </p:cSld>
@@ -4034,6 +4553,212 @@
 </p:sld>
 </file>
 
+<file path=ppt/slides/slide20.xml><?xml version="1.0" encoding="utf-8"?>
+<p:sld xmlns:a="http://schemas.openxmlformats.org/drawingml/2006/main" xmlns:r="http://schemas.openxmlformats.org/officeDocument/2006/relationships" xmlns:p="http://schemas.openxmlformats.org/presentationml/2006/main">
+  <p:cSld>
+    <p:spTree>
+      <p:nvGrpSpPr>
+        <p:cNvPr id="1" name=""/>
+        <p:cNvGrpSpPr/>
+        <p:nvPr/>
+      </p:nvGrpSpPr>
+      <p:grpSpPr>
+        <a:xfrm>
+          <a:off x="0" y="0"/>
+          <a:ext cx="0" cy="0"/>
+          <a:chOff x="0" y="0"/>
+          <a:chExt cx="0" cy="0"/>
+        </a:xfrm>
+      </p:grpSpPr>
+      <p:sp>
+        <p:nvSpPr>
+          <p:cNvPr id="2" name="Title 1">
+            <a:extLst>
+              <a:ext uri="{FF2B5EF4-FFF2-40B4-BE49-F238E27FC236}">
+                <a16:creationId xmlns:a16="http://schemas.microsoft.com/office/drawing/2014/main" id="{D1B1C948-A4A3-5946-B047-076635D43652}"/>
+              </a:ext>
+            </a:extLst>
+          </p:cNvPr>
+          <p:cNvSpPr>
+            <a:spLocks noGrp="1"/>
+          </p:cNvSpPr>
+          <p:nvPr>
+            <p:ph type="title"/>
+          </p:nvPr>
+        </p:nvSpPr>
+        <p:spPr>
+          <a:xfrm>
+            <a:off x="1695450" y="2819400"/>
+            <a:ext cx="8801100" cy="1450757"/>
+          </a:xfrm>
+        </p:spPr>
+        <p:txBody>
+          <a:bodyPr/>
+          <a:lstStyle/>
+          <a:p>
+            <a:pPr algn="ctr"/>
+            <a:r>
+              <a:rPr lang="en-US" dirty="0"/>
+              <a:t>End For Live Session Assignment </a:t>
+            </a:r>
+            <a:r>
+              <a:rPr lang="en-US"/>
+              <a:t>Unit 6!</a:t>
+            </a:r>
+            <a:endParaRPr lang="en-US" dirty="0"/>
+          </a:p>
+        </p:txBody>
+      </p:sp>
+      <p:sp>
+        <p:nvSpPr>
+          <p:cNvPr id="4" name="Slide Number Placeholder 3">
+            <a:extLst>
+              <a:ext uri="{FF2B5EF4-FFF2-40B4-BE49-F238E27FC236}">
+                <a16:creationId xmlns:a16="http://schemas.microsoft.com/office/drawing/2014/main" id="{C89C5DF8-9726-8A40-B8E3-D578C82B8DDF}"/>
+              </a:ext>
+            </a:extLst>
+          </p:cNvPr>
+          <p:cNvSpPr>
+            <a:spLocks noGrp="1"/>
+          </p:cNvSpPr>
+          <p:nvPr>
+            <p:ph type="sldNum" sz="quarter" idx="12"/>
+          </p:nvPr>
+        </p:nvSpPr>
+        <p:spPr>
+          <a:xfrm>
+            <a:off x="7425345" y="6459789"/>
+            <a:ext cx="984019" cy="365125"/>
+          </a:xfrm>
+          <a:prstGeom prst="rect">
+            <a:avLst/>
+          </a:prstGeom>
+        </p:spPr>
+        <p:txBody>
+          <a:bodyPr vert="horz" lIns="91440" tIns="45720" rIns="91440" bIns="45720" rtlCol="0" anchor="ctr"/>
+          <a:lstStyle>
+            <a:defPPr>
+              <a:defRPr lang="en-US"/>
+            </a:defPPr>
+            <a:lvl1pPr marL="0" algn="r" defTabSz="914400" rtl="0" eaLnBrk="1" latinLnBrk="0" hangingPunct="1">
+              <a:defRPr sz="1050" kern="1200">
+                <a:solidFill>
+                  <a:srgbClr val="FFFFFF"/>
+                </a:solidFill>
+                <a:latin typeface="+mn-lt"/>
+                <a:ea typeface="+mn-ea"/>
+                <a:cs typeface="+mn-cs"/>
+              </a:defRPr>
+            </a:lvl1pPr>
+            <a:lvl2pPr marL="457200" algn="l" defTabSz="914400" rtl="0" eaLnBrk="1" latinLnBrk="0" hangingPunct="1">
+              <a:defRPr sz="1800" kern="1200">
+                <a:solidFill>
+                  <a:schemeClr val="tx1"/>
+                </a:solidFill>
+                <a:latin typeface="+mn-lt"/>
+                <a:ea typeface="+mn-ea"/>
+                <a:cs typeface="+mn-cs"/>
+              </a:defRPr>
+            </a:lvl2pPr>
+            <a:lvl3pPr marL="914400" algn="l" defTabSz="914400" rtl="0" eaLnBrk="1" latinLnBrk="0" hangingPunct="1">
+              <a:defRPr sz="1800" kern="1200">
+                <a:solidFill>
+                  <a:schemeClr val="tx1"/>
+                </a:solidFill>
+                <a:latin typeface="+mn-lt"/>
+                <a:ea typeface="+mn-ea"/>
+                <a:cs typeface="+mn-cs"/>
+              </a:defRPr>
+            </a:lvl3pPr>
+            <a:lvl4pPr marL="1371600" algn="l" defTabSz="914400" rtl="0" eaLnBrk="1" latinLnBrk="0" hangingPunct="1">
+              <a:defRPr sz="1800" kern="1200">
+                <a:solidFill>
+                  <a:schemeClr val="tx1"/>
+                </a:solidFill>
+                <a:latin typeface="+mn-lt"/>
+                <a:ea typeface="+mn-ea"/>
+                <a:cs typeface="+mn-cs"/>
+              </a:defRPr>
+            </a:lvl4pPr>
+            <a:lvl5pPr marL="1828800" algn="l" defTabSz="914400" rtl="0" eaLnBrk="1" latinLnBrk="0" hangingPunct="1">
+              <a:defRPr sz="1800" kern="1200">
+                <a:solidFill>
+                  <a:schemeClr val="tx1"/>
+                </a:solidFill>
+                <a:latin typeface="+mn-lt"/>
+                <a:ea typeface="+mn-ea"/>
+                <a:cs typeface="+mn-cs"/>
+              </a:defRPr>
+            </a:lvl5pPr>
+            <a:lvl6pPr marL="2286000" algn="l" defTabSz="914400" rtl="0" eaLnBrk="1" latinLnBrk="0" hangingPunct="1">
+              <a:defRPr sz="1800" kern="1200">
+                <a:solidFill>
+                  <a:schemeClr val="tx1"/>
+                </a:solidFill>
+                <a:latin typeface="+mn-lt"/>
+                <a:ea typeface="+mn-ea"/>
+                <a:cs typeface="+mn-cs"/>
+              </a:defRPr>
+            </a:lvl6pPr>
+            <a:lvl7pPr marL="2743200" algn="l" defTabSz="914400" rtl="0" eaLnBrk="1" latinLnBrk="0" hangingPunct="1">
+              <a:defRPr sz="1800" kern="1200">
+                <a:solidFill>
+                  <a:schemeClr val="tx1"/>
+                </a:solidFill>
+                <a:latin typeface="+mn-lt"/>
+                <a:ea typeface="+mn-ea"/>
+                <a:cs typeface="+mn-cs"/>
+              </a:defRPr>
+            </a:lvl7pPr>
+            <a:lvl8pPr marL="3200400" algn="l" defTabSz="914400" rtl="0" eaLnBrk="1" latinLnBrk="0" hangingPunct="1">
+              <a:defRPr sz="1800" kern="1200">
+                <a:solidFill>
+                  <a:schemeClr val="tx1"/>
+                </a:solidFill>
+                <a:latin typeface="+mn-lt"/>
+                <a:ea typeface="+mn-ea"/>
+                <a:cs typeface="+mn-cs"/>
+              </a:defRPr>
+            </a:lvl8pPr>
+            <a:lvl9pPr marL="3657600" algn="l" defTabSz="914400" rtl="0" eaLnBrk="1" latinLnBrk="0" hangingPunct="1">
+              <a:defRPr sz="1800" kern="1200">
+                <a:solidFill>
+                  <a:schemeClr val="tx1"/>
+                </a:solidFill>
+                <a:latin typeface="+mn-lt"/>
+                <a:ea typeface="+mn-ea"/>
+                <a:cs typeface="+mn-cs"/>
+              </a:defRPr>
+            </a:lvl9pPr>
+          </a:lstStyle>
+          <a:p>
+            <a:pPr>
+              <a:defRPr/>
+            </a:pPr>
+            <a:fld id="{85BC5B7D-D6B0-4550-9BAF-D21F2647AC79}" type="slidenum">
+              <a:rPr lang="en-US" altLang="en-US" smtClean="0"/>
+              <a:pPr>
+                <a:defRPr/>
+              </a:pPr>
+              <a:t>20</a:t>
+            </a:fld>
+            <a:endParaRPr lang="en-US" altLang="en-US" dirty="0"/>
+          </a:p>
+        </p:txBody>
+      </p:sp>
+    </p:spTree>
+    <p:extLst>
+      <p:ext uri="{BB962C8B-B14F-4D97-AF65-F5344CB8AC3E}">
+        <p14:creationId xmlns:p14="http://schemas.microsoft.com/office/powerpoint/2010/main" val="2935390525"/>
+      </p:ext>
+    </p:extLst>
+  </p:cSld>
+  <p:clrMapOvr>
+    <a:masterClrMapping/>
+  </p:clrMapOvr>
+</p:sld>
+</file>
+
 <file path=ppt/slides/slide3.xml><?xml version="1.0" encoding="utf-8"?>
 <p:sld xmlns:a="http://schemas.openxmlformats.org/drawingml/2006/main" xmlns:r="http://schemas.openxmlformats.org/officeDocument/2006/relationships" xmlns:p="http://schemas.openxmlformats.org/presentationml/2006/main">
   <p:cSld>
@@ -4114,6 +4839,52 @@
           </a:prstGeom>
         </p:spPr>
       </p:pic>
+      <p:sp>
+        <p:nvSpPr>
+          <p:cNvPr id="4" name="Rectangle 3">
+            <a:extLst>
+              <a:ext uri="{FF2B5EF4-FFF2-40B4-BE49-F238E27FC236}">
+                <a16:creationId xmlns:a16="http://schemas.microsoft.com/office/drawing/2014/main" id="{45C82052-DC17-019F-F280-3DFC1E7742C8}"/>
+              </a:ext>
+            </a:extLst>
+          </p:cNvPr>
+          <p:cNvSpPr/>
+          <p:nvPr/>
+        </p:nvSpPr>
+        <p:spPr>
+          <a:xfrm>
+            <a:off x="2743200" y="4724400"/>
+            <a:ext cx="6553200" cy="1447800"/>
+          </a:xfrm>
+          <a:prstGeom prst="rect">
+            <a:avLst/>
+          </a:prstGeom>
+        </p:spPr>
+        <p:style>
+          <a:lnRef idx="2">
+            <a:schemeClr val="accent1">
+              <a:shade val="15000"/>
+            </a:schemeClr>
+          </a:lnRef>
+          <a:fillRef idx="1">
+            <a:schemeClr val="accent1"/>
+          </a:fillRef>
+          <a:effectRef idx="0">
+            <a:schemeClr val="accent1"/>
+          </a:effectRef>
+          <a:fontRef idx="minor">
+            <a:schemeClr val="lt1"/>
+          </a:fontRef>
+        </p:style>
+        <p:txBody>
+          <a:bodyPr rtlCol="0" anchor="ctr"/>
+          <a:lstStyle/>
+          <a:p>
+            <a:pPr algn="ctr"/>
+            <a:endParaRPr lang="en-US"/>
+          </a:p>
+        </p:txBody>
+      </p:sp>
     </p:spTree>
     <p:extLst>
       <p:ext uri="{BB962C8B-B14F-4D97-AF65-F5344CB8AC3E}">
@@ -4202,6 +4973,52 @@
           </a:prstGeom>
         </p:spPr>
       </p:pic>
+      <p:sp>
+        <p:nvSpPr>
+          <p:cNvPr id="3" name="Rectangle 2">
+            <a:extLst>
+              <a:ext uri="{FF2B5EF4-FFF2-40B4-BE49-F238E27FC236}">
+                <a16:creationId xmlns:a16="http://schemas.microsoft.com/office/drawing/2014/main" id="{C1C26D58-1A04-08C0-F90D-BD4137AAA5E7}"/>
+              </a:ext>
+            </a:extLst>
+          </p:cNvPr>
+          <p:cNvSpPr/>
+          <p:nvPr/>
+        </p:nvSpPr>
+        <p:spPr>
+          <a:xfrm>
+            <a:off x="2057400" y="4191000"/>
+            <a:ext cx="7772400" cy="1828800"/>
+          </a:xfrm>
+          <a:prstGeom prst="rect">
+            <a:avLst/>
+          </a:prstGeom>
+        </p:spPr>
+        <p:style>
+          <a:lnRef idx="2">
+            <a:schemeClr val="accent1">
+              <a:shade val="15000"/>
+            </a:schemeClr>
+          </a:lnRef>
+          <a:fillRef idx="1">
+            <a:schemeClr val="accent1"/>
+          </a:fillRef>
+          <a:effectRef idx="0">
+            <a:schemeClr val="accent1"/>
+          </a:effectRef>
+          <a:fontRef idx="minor">
+            <a:schemeClr val="lt1"/>
+          </a:fontRef>
+        </p:style>
+        <p:txBody>
+          <a:bodyPr rtlCol="0" anchor="ctr"/>
+          <a:lstStyle/>
+          <a:p>
+            <a:pPr algn="ctr"/>
+            <a:endParaRPr lang="en-US"/>
+          </a:p>
+        </p:txBody>
+      </p:sp>
     </p:spTree>
     <p:extLst>
       <p:ext uri="{BB962C8B-B14F-4D97-AF65-F5344CB8AC3E}">
@@ -5470,7 +6287,13 @@
       </p:grpSpPr>
       <p:sp>
         <p:nvSpPr>
-          <p:cNvPr id="2" name="Title 1"/>
+          <p:cNvPr id="2" name="Title 1">
+            <a:extLst>
+              <a:ext uri="{FF2B5EF4-FFF2-40B4-BE49-F238E27FC236}">
+                <a16:creationId xmlns:a16="http://schemas.microsoft.com/office/drawing/2014/main" id="{DD0B36CF-AB19-A255-5BFB-A9CD46DC7B8F}"/>
+              </a:ext>
+            </a:extLst>
+          </p:cNvPr>
           <p:cNvSpPr>
             <a:spLocks noGrp="1"/>
           </p:cNvSpPr>
@@ -5478,169 +6301,77 @@
             <p:ph type="title"/>
           </p:nvPr>
         </p:nvSpPr>
-        <p:spPr>
-          <a:xfrm>
-            <a:off x="1781783" y="3429001"/>
-            <a:ext cx="8628434" cy="1450757"/>
-          </a:xfrm>
-        </p:spPr>
+        <p:spPr/>
         <p:txBody>
           <a:bodyPr/>
           <a:lstStyle/>
           <a:p>
-            <a:pPr algn="ctr"/>
-            <a:r>
-              <a:rPr lang="en-US" dirty="0"/>
-              <a:t>End Question 2</a:t>
-            </a:r>
-            <a:br>
-              <a:rPr lang="en-US" dirty="0"/>
-            </a:br>
-            <a:br>
-              <a:rPr lang="en-US" dirty="0"/>
-            </a:br>
-            <a:br>
-              <a:rPr lang="en-US" dirty="0"/>
-            </a:br>
-            <a:endParaRPr lang="en-US" dirty="0"/>
+            <a:r>
+              <a:rPr lang="en-US" dirty="0"/>
+              <a:t>Height </a:t>
+            </a:r>
           </a:p>
         </p:txBody>
       </p:sp>
       <p:sp>
         <p:nvSpPr>
-          <p:cNvPr id="4" name="Slide Number Placeholder 3"/>
+          <p:cNvPr id="3" name="Content Placeholder 2">
+            <a:extLst>
+              <a:ext uri="{FF2B5EF4-FFF2-40B4-BE49-F238E27FC236}">
+                <a16:creationId xmlns:a16="http://schemas.microsoft.com/office/drawing/2014/main" id="{EE56BAB7-1640-D3D5-326B-DC643EFA749F}"/>
+              </a:ext>
+            </a:extLst>
+          </p:cNvPr>
           <p:cNvSpPr>
             <a:spLocks noGrp="1"/>
           </p:cNvSpPr>
           <p:nvPr>
-            <p:ph type="sldNum" sz="quarter" idx="12"/>
+            <p:ph idx="1"/>
           </p:nvPr>
         </p:nvSpPr>
+        <p:spPr/>
+        <p:txBody>
+          <a:bodyPr/>
+          <a:lstStyle/>
+          <a:p>
+            <a:endParaRPr lang="en-US"/>
+          </a:p>
+        </p:txBody>
+      </p:sp>
+      <p:pic>
+        <p:nvPicPr>
+          <p:cNvPr id="5" name="Picture 4">
+            <a:extLst>
+              <a:ext uri="{FF2B5EF4-FFF2-40B4-BE49-F238E27FC236}">
+                <a16:creationId xmlns:a16="http://schemas.microsoft.com/office/drawing/2014/main" id="{EAE9BFB0-4AC5-25A5-B744-AD26D187127F}"/>
+              </a:ext>
+            </a:extLst>
+          </p:cNvPr>
+          <p:cNvPicPr>
+            <a:picLocks noChangeAspect="1"/>
+          </p:cNvPicPr>
+          <p:nvPr/>
+        </p:nvPicPr>
+        <p:blipFill>
+          <a:blip r:embed="rId2"/>
+          <a:stretch>
+            <a:fillRect/>
+          </a:stretch>
+        </p:blipFill>
         <p:spPr>
           <a:xfrm>
-            <a:off x="7425345" y="6459789"/>
-            <a:ext cx="984019" cy="365125"/>
+            <a:off x="609600" y="1543049"/>
+            <a:ext cx="10972800" cy="4525963"/>
           </a:xfrm>
           <a:prstGeom prst="rect">
             <a:avLst/>
           </a:prstGeom>
         </p:spPr>
-        <p:txBody>
-          <a:bodyPr vert="horz" lIns="91440" tIns="45720" rIns="91440" bIns="45720" rtlCol="0" anchor="ctr"/>
-          <a:lstStyle>
-            <a:defPPr>
-              <a:defRPr lang="en-US"/>
-            </a:defPPr>
-            <a:lvl1pPr marL="0" algn="r" defTabSz="914400" rtl="0" eaLnBrk="1" latinLnBrk="0" hangingPunct="1">
-              <a:defRPr sz="1050" kern="1200">
-                <a:solidFill>
-                  <a:srgbClr val="FFFFFF"/>
-                </a:solidFill>
-                <a:latin typeface="+mn-lt"/>
-                <a:ea typeface="+mn-ea"/>
-                <a:cs typeface="+mn-cs"/>
-              </a:defRPr>
-            </a:lvl1pPr>
-            <a:lvl2pPr marL="457200" algn="l" defTabSz="914400" rtl="0" eaLnBrk="1" latinLnBrk="0" hangingPunct="1">
-              <a:defRPr sz="1800" kern="1200">
-                <a:solidFill>
-                  <a:schemeClr val="tx1"/>
-                </a:solidFill>
-                <a:latin typeface="+mn-lt"/>
-                <a:ea typeface="+mn-ea"/>
-                <a:cs typeface="+mn-cs"/>
-              </a:defRPr>
-            </a:lvl2pPr>
-            <a:lvl3pPr marL="914400" algn="l" defTabSz="914400" rtl="0" eaLnBrk="1" latinLnBrk="0" hangingPunct="1">
-              <a:defRPr sz="1800" kern="1200">
-                <a:solidFill>
-                  <a:schemeClr val="tx1"/>
-                </a:solidFill>
-                <a:latin typeface="+mn-lt"/>
-                <a:ea typeface="+mn-ea"/>
-                <a:cs typeface="+mn-cs"/>
-              </a:defRPr>
-            </a:lvl3pPr>
-            <a:lvl4pPr marL="1371600" algn="l" defTabSz="914400" rtl="0" eaLnBrk="1" latinLnBrk="0" hangingPunct="1">
-              <a:defRPr sz="1800" kern="1200">
-                <a:solidFill>
-                  <a:schemeClr val="tx1"/>
-                </a:solidFill>
-                <a:latin typeface="+mn-lt"/>
-                <a:ea typeface="+mn-ea"/>
-                <a:cs typeface="+mn-cs"/>
-              </a:defRPr>
-            </a:lvl4pPr>
-            <a:lvl5pPr marL="1828800" algn="l" defTabSz="914400" rtl="0" eaLnBrk="1" latinLnBrk="0" hangingPunct="1">
-              <a:defRPr sz="1800" kern="1200">
-                <a:solidFill>
-                  <a:schemeClr val="tx1"/>
-                </a:solidFill>
-                <a:latin typeface="+mn-lt"/>
-                <a:ea typeface="+mn-ea"/>
-                <a:cs typeface="+mn-cs"/>
-              </a:defRPr>
-            </a:lvl5pPr>
-            <a:lvl6pPr marL="2286000" algn="l" defTabSz="914400" rtl="0" eaLnBrk="1" latinLnBrk="0" hangingPunct="1">
-              <a:defRPr sz="1800" kern="1200">
-                <a:solidFill>
-                  <a:schemeClr val="tx1"/>
-                </a:solidFill>
-                <a:latin typeface="+mn-lt"/>
-                <a:ea typeface="+mn-ea"/>
-                <a:cs typeface="+mn-cs"/>
-              </a:defRPr>
-            </a:lvl6pPr>
-            <a:lvl7pPr marL="2743200" algn="l" defTabSz="914400" rtl="0" eaLnBrk="1" latinLnBrk="0" hangingPunct="1">
-              <a:defRPr sz="1800" kern="1200">
-                <a:solidFill>
-                  <a:schemeClr val="tx1"/>
-                </a:solidFill>
-                <a:latin typeface="+mn-lt"/>
-                <a:ea typeface="+mn-ea"/>
-                <a:cs typeface="+mn-cs"/>
-              </a:defRPr>
-            </a:lvl7pPr>
-            <a:lvl8pPr marL="3200400" algn="l" defTabSz="914400" rtl="0" eaLnBrk="1" latinLnBrk="0" hangingPunct="1">
-              <a:defRPr sz="1800" kern="1200">
-                <a:solidFill>
-                  <a:schemeClr val="tx1"/>
-                </a:solidFill>
-                <a:latin typeface="+mn-lt"/>
-                <a:ea typeface="+mn-ea"/>
-                <a:cs typeface="+mn-cs"/>
-              </a:defRPr>
-            </a:lvl8pPr>
-            <a:lvl9pPr marL="3657600" algn="l" defTabSz="914400" rtl="0" eaLnBrk="1" latinLnBrk="0" hangingPunct="1">
-              <a:defRPr sz="1800" kern="1200">
-                <a:solidFill>
-                  <a:schemeClr val="tx1"/>
-                </a:solidFill>
-                <a:latin typeface="+mn-lt"/>
-                <a:ea typeface="+mn-ea"/>
-                <a:cs typeface="+mn-cs"/>
-              </a:defRPr>
-            </a:lvl9pPr>
-          </a:lstStyle>
-          <a:p>
-            <a:pPr>
-              <a:defRPr/>
-            </a:pPr>
-            <a:fld id="{85BC5B7D-D6B0-4550-9BAF-D21F2647AC79}" type="slidenum">
-              <a:rPr lang="en-US" altLang="en-US" smtClean="0"/>
-              <a:pPr>
-                <a:defRPr/>
-              </a:pPr>
-              <a:t>8</a:t>
-            </a:fld>
-            <a:endParaRPr lang="en-US" altLang="en-US" dirty="0"/>
-          </a:p>
-        </p:txBody>
-      </p:sp>
+      </p:pic>
     </p:spTree>
     <p:extLst>
       <p:ext uri="{BB962C8B-B14F-4D97-AF65-F5344CB8AC3E}">
-        <p14:creationId xmlns:p14="http://schemas.microsoft.com/office/powerpoint/2010/main" val="2411195427"/>
+        <p14:creationId xmlns:p14="http://schemas.microsoft.com/office/powerpoint/2010/main" val="3060224927"/>
       </p:ext>
     </p:extLst>
   </p:cSld>
@@ -5667,246 +6398,68 @@
           <a:chExt cx="0" cy="0"/>
         </a:xfrm>
       </p:grpSpPr>
-      <mc:AlternateContent xmlns:mc="http://schemas.openxmlformats.org/markup-compatibility/2006">
-        <mc:Choice xmlns:a14="http://schemas.microsoft.com/office/drawing/2010/main" Requires="a14">
-          <p:sp>
-            <p:nvSpPr>
-              <p:cNvPr id="2" name="Title 1"/>
-              <p:cNvSpPr>
-                <a:spLocks noGrp="1"/>
-              </p:cNvSpPr>
-              <p:nvPr>
-                <p:ph type="title"/>
-              </p:nvPr>
-            </p:nvSpPr>
-            <p:spPr>
-              <a:xfrm>
-                <a:off x="1781783" y="3429001"/>
-                <a:ext cx="8628434" cy="1450757"/>
-              </a:xfrm>
-            </p:spPr>
-            <p:txBody>
-              <a:bodyPr/>
-              <a:lstStyle/>
-              <a:p>
-                <a:pPr algn="ctr"/>
-                <a:r>
-                  <a:rPr lang="en-US" dirty="0"/>
-                  <a:t>Question 3</a:t>
-                </a:r>
-                <a:br>
-                  <a:rPr lang="en-US" dirty="0"/>
-                </a:br>
-                <a:r>
-                  <a:rPr lang="en-US" dirty="0"/>
-                  <a:t>(</a:t>
-                </a:r>
-                <a14:m>
-                  <m:oMath xmlns:m="http://schemas.openxmlformats.org/officeDocument/2006/math">
-                    <m:r>
-                      <a:rPr lang="en-US" i="1" smtClean="0">
-                        <a:latin typeface="Cambria Math" panose="02040503050406030204" pitchFamily="18" charset="0"/>
-                        <a:ea typeface="Cambria Math" panose="02040503050406030204" pitchFamily="18" charset="0"/>
-                      </a:rPr>
-                      <m:t>≤</m:t>
-                    </m:r>
-                    <m:r>
-                      <a:rPr lang="en-US" b="0" i="0" smtClean="0">
-                        <a:latin typeface="Cambria Math" panose="02040503050406030204" pitchFamily="18" charset="0"/>
-                        <a:ea typeface="Cambria Math" panose="02040503050406030204" pitchFamily="18" charset="0"/>
-                      </a:rPr>
-                      <m:t>2</m:t>
-                    </m:r>
-                  </m:oMath>
-                </a14:m>
-                <a:r>
-                  <a:rPr lang="en-US" dirty="0"/>
-                  <a:t> hours)</a:t>
-                </a:r>
-                <a:br>
-                  <a:rPr lang="en-US" dirty="0"/>
-                </a:br>
-                <a:br>
-                  <a:rPr lang="en-US" dirty="0"/>
-                </a:br>
-                <a:endParaRPr lang="en-US" dirty="0"/>
-              </a:p>
-            </p:txBody>
-          </p:sp>
-        </mc:Choice>
-        <mc:Fallback>
-          <p:sp>
-            <p:nvSpPr>
-              <p:cNvPr id="2" name="Title 1"/>
-              <p:cNvSpPr>
-                <a:spLocks noGrp="1" noRot="1" noChangeAspect="1" noMove="1" noResize="1" noEditPoints="1" noAdjustHandles="1" noChangeArrowheads="1" noChangeShapeType="1" noTextEdit="1"/>
-              </p:cNvSpPr>
-              <p:nvPr>
-                <p:ph type="title"/>
-              </p:nvPr>
-            </p:nvSpPr>
-            <p:spPr>
-              <a:xfrm>
-                <a:off x="1781783" y="3429001"/>
-                <a:ext cx="8628434" cy="1450757"/>
-              </a:xfrm>
-              <a:blipFill>
-                <a:blip r:embed="rId2"/>
-                <a:stretch>
-                  <a:fillRect t="-55263"/>
-                </a:stretch>
-              </a:blipFill>
-            </p:spPr>
-            <p:txBody>
-              <a:bodyPr/>
-              <a:lstStyle/>
-              <a:p>
-                <a:r>
-                  <a:rPr lang="en-US">
-                    <a:noFill/>
-                  </a:rPr>
-                  <a:t> </a:t>
-                </a:r>
-              </a:p>
-            </p:txBody>
-          </p:sp>
-        </mc:Fallback>
-      </mc:AlternateContent>
       <p:sp>
         <p:nvSpPr>
-          <p:cNvPr id="4" name="Slide Number Placeholder 3"/>
+          <p:cNvPr id="2" name="Title 1">
+            <a:extLst>
+              <a:ext uri="{FF2B5EF4-FFF2-40B4-BE49-F238E27FC236}">
+                <a16:creationId xmlns:a16="http://schemas.microsoft.com/office/drawing/2014/main" id="{2A7D4648-8728-D7FE-AE18-69179D99308E}"/>
+              </a:ext>
+            </a:extLst>
+          </p:cNvPr>
           <p:cNvSpPr>
             <a:spLocks noGrp="1"/>
           </p:cNvSpPr>
           <p:nvPr>
-            <p:ph type="sldNum" sz="quarter" idx="12"/>
+            <p:ph type="title"/>
           </p:nvPr>
         </p:nvSpPr>
+        <p:spPr/>
+        <p:txBody>
+          <a:bodyPr/>
+          <a:lstStyle/>
+          <a:p>
+            <a:r>
+              <a:rPr lang="en-US" dirty="0"/>
+              <a:t>Height</a:t>
+            </a:r>
+          </a:p>
+        </p:txBody>
+      </p:sp>
+      <p:pic>
+        <p:nvPicPr>
+          <p:cNvPr id="5" name="Picture 4">
+            <a:extLst>
+              <a:ext uri="{FF2B5EF4-FFF2-40B4-BE49-F238E27FC236}">
+                <a16:creationId xmlns:a16="http://schemas.microsoft.com/office/drawing/2014/main" id="{218DC2D1-4B6F-99CF-33DE-4585342FF673}"/>
+              </a:ext>
+            </a:extLst>
+          </p:cNvPr>
+          <p:cNvPicPr>
+            <a:picLocks noChangeAspect="1"/>
+          </p:cNvPicPr>
+          <p:nvPr/>
+        </p:nvPicPr>
+        <p:blipFill>
+          <a:blip r:embed="rId2"/>
+          <a:stretch>
+            <a:fillRect/>
+          </a:stretch>
+        </p:blipFill>
         <p:spPr>
           <a:xfrm>
-            <a:off x="7425345" y="6459789"/>
-            <a:ext cx="984019" cy="365125"/>
+            <a:off x="609600" y="1600200"/>
+            <a:ext cx="10972800" cy="4648200"/>
           </a:xfrm>
           <a:prstGeom prst="rect">
             <a:avLst/>
           </a:prstGeom>
         </p:spPr>
-        <p:txBody>
-          <a:bodyPr vert="horz" lIns="91440" tIns="45720" rIns="91440" bIns="45720" rtlCol="0" anchor="ctr"/>
-          <a:lstStyle>
-            <a:defPPr>
-              <a:defRPr lang="en-US"/>
-            </a:defPPr>
-            <a:lvl1pPr marL="0" algn="r" defTabSz="914400" rtl="0" eaLnBrk="1" latinLnBrk="0" hangingPunct="1">
-              <a:defRPr sz="1050" kern="1200">
-                <a:solidFill>
-                  <a:srgbClr val="FFFFFF"/>
-                </a:solidFill>
-                <a:latin typeface="+mn-lt"/>
-                <a:ea typeface="+mn-ea"/>
-                <a:cs typeface="+mn-cs"/>
-              </a:defRPr>
-            </a:lvl1pPr>
-            <a:lvl2pPr marL="457200" algn="l" defTabSz="914400" rtl="0" eaLnBrk="1" latinLnBrk="0" hangingPunct="1">
-              <a:defRPr sz="1800" kern="1200">
-                <a:solidFill>
-                  <a:schemeClr val="tx1"/>
-                </a:solidFill>
-                <a:latin typeface="+mn-lt"/>
-                <a:ea typeface="+mn-ea"/>
-                <a:cs typeface="+mn-cs"/>
-              </a:defRPr>
-            </a:lvl2pPr>
-            <a:lvl3pPr marL="914400" algn="l" defTabSz="914400" rtl="0" eaLnBrk="1" latinLnBrk="0" hangingPunct="1">
-              <a:defRPr sz="1800" kern="1200">
-                <a:solidFill>
-                  <a:schemeClr val="tx1"/>
-                </a:solidFill>
-                <a:latin typeface="+mn-lt"/>
-                <a:ea typeface="+mn-ea"/>
-                <a:cs typeface="+mn-cs"/>
-              </a:defRPr>
-            </a:lvl3pPr>
-            <a:lvl4pPr marL="1371600" algn="l" defTabSz="914400" rtl="0" eaLnBrk="1" latinLnBrk="0" hangingPunct="1">
-              <a:defRPr sz="1800" kern="1200">
-                <a:solidFill>
-                  <a:schemeClr val="tx1"/>
-                </a:solidFill>
-                <a:latin typeface="+mn-lt"/>
-                <a:ea typeface="+mn-ea"/>
-                <a:cs typeface="+mn-cs"/>
-              </a:defRPr>
-            </a:lvl4pPr>
-            <a:lvl5pPr marL="1828800" algn="l" defTabSz="914400" rtl="0" eaLnBrk="1" latinLnBrk="0" hangingPunct="1">
-              <a:defRPr sz="1800" kern="1200">
-                <a:solidFill>
-                  <a:schemeClr val="tx1"/>
-                </a:solidFill>
-                <a:latin typeface="+mn-lt"/>
-                <a:ea typeface="+mn-ea"/>
-                <a:cs typeface="+mn-cs"/>
-              </a:defRPr>
-            </a:lvl5pPr>
-            <a:lvl6pPr marL="2286000" algn="l" defTabSz="914400" rtl="0" eaLnBrk="1" latinLnBrk="0" hangingPunct="1">
-              <a:defRPr sz="1800" kern="1200">
-                <a:solidFill>
-                  <a:schemeClr val="tx1"/>
-                </a:solidFill>
-                <a:latin typeface="+mn-lt"/>
-                <a:ea typeface="+mn-ea"/>
-                <a:cs typeface="+mn-cs"/>
-              </a:defRPr>
-            </a:lvl6pPr>
-            <a:lvl7pPr marL="2743200" algn="l" defTabSz="914400" rtl="0" eaLnBrk="1" latinLnBrk="0" hangingPunct="1">
-              <a:defRPr sz="1800" kern="1200">
-                <a:solidFill>
-                  <a:schemeClr val="tx1"/>
-                </a:solidFill>
-                <a:latin typeface="+mn-lt"/>
-                <a:ea typeface="+mn-ea"/>
-                <a:cs typeface="+mn-cs"/>
-              </a:defRPr>
-            </a:lvl7pPr>
-            <a:lvl8pPr marL="3200400" algn="l" defTabSz="914400" rtl="0" eaLnBrk="1" latinLnBrk="0" hangingPunct="1">
-              <a:defRPr sz="1800" kern="1200">
-                <a:solidFill>
-                  <a:schemeClr val="tx1"/>
-                </a:solidFill>
-                <a:latin typeface="+mn-lt"/>
-                <a:ea typeface="+mn-ea"/>
-                <a:cs typeface="+mn-cs"/>
-              </a:defRPr>
-            </a:lvl8pPr>
-            <a:lvl9pPr marL="3657600" algn="l" defTabSz="914400" rtl="0" eaLnBrk="1" latinLnBrk="0" hangingPunct="1">
-              <a:defRPr sz="1800" kern="1200">
-                <a:solidFill>
-                  <a:schemeClr val="tx1"/>
-                </a:solidFill>
-                <a:latin typeface="+mn-lt"/>
-                <a:ea typeface="+mn-ea"/>
-                <a:cs typeface="+mn-cs"/>
-              </a:defRPr>
-            </a:lvl9pPr>
-          </a:lstStyle>
-          <a:p>
-            <a:pPr>
-              <a:defRPr/>
-            </a:pPr>
-            <a:fld id="{85BC5B7D-D6B0-4550-9BAF-D21F2647AC79}" type="slidenum">
-              <a:rPr lang="en-US" altLang="en-US" smtClean="0"/>
-              <a:pPr>
-                <a:defRPr/>
-              </a:pPr>
-              <a:t>9</a:t>
-            </a:fld>
-            <a:endParaRPr lang="en-US" altLang="en-US" dirty="0"/>
-          </a:p>
-        </p:txBody>
-      </p:sp>
+      </p:pic>
     </p:spTree>
     <p:extLst>
       <p:ext uri="{BB962C8B-B14F-4D97-AF65-F5344CB8AC3E}">
-        <p14:creationId xmlns:p14="http://schemas.microsoft.com/office/powerpoint/2010/main" val="4212347915"/>
+        <p14:creationId xmlns:p14="http://schemas.microsoft.com/office/powerpoint/2010/main" val="4159722869"/>
       </p:ext>
     </p:extLst>
   </p:cSld>
